--- a/PPT2/WinDBG Introduction.pptx
+++ b/PPT2/WinDBG Introduction.pptx
@@ -1,36 +1,36 @@
 
 <file path=ppt/presentation.xml><?xml version="1.0" encoding="utf-8"?>
-<p:presentation xmlns:a="http://schemas.openxmlformats.org/drawingml/2006/main" xmlns:r="http://schemas.openxmlformats.org/officeDocument/2006/relationships" xmlns:p="http://schemas.openxmlformats.org/presentationml/2006/main" saveSubsetFonts="1">
+<p:presentation xmlns:a="http://schemas.openxmlformats.org/drawingml/2006/main" xmlns:r="http://schemas.openxmlformats.org/officeDocument/2006/relationships" xmlns:p="http://schemas.openxmlformats.org/presentationml/2006/main">
   <p:sldMasterIdLst>
-    <p:sldMasterId id="2147483648" r:id="rId4"/>
+    <p:sldMasterId id="2147483648" r:id="rId1"/>
   </p:sldMasterIdLst>
   <p:notesMasterIdLst>
-    <p:notesMasterId r:id="rId25"/>
+    <p:notesMasterId r:id="rId4"/>
   </p:notesMasterIdLst>
   <p:handoutMasterIdLst>
-    <p:handoutMasterId r:id="rId26"/>
+    <p:handoutMasterId r:id="rId24"/>
   </p:handoutMasterIdLst>
   <p:sldIdLst>
-    <p:sldId id="256" r:id="rId5"/>
-    <p:sldId id="263" r:id="rId6"/>
-    <p:sldId id="275" r:id="rId7"/>
-    <p:sldId id="277" r:id="rId8"/>
-    <p:sldId id="274" r:id="rId9"/>
-    <p:sldId id="276" r:id="rId10"/>
-    <p:sldId id="278" r:id="rId11"/>
-    <p:sldId id="279" r:id="rId12"/>
-    <p:sldId id="280" r:id="rId13"/>
-    <p:sldId id="283" r:id="rId14"/>
-    <p:sldId id="291" r:id="rId15"/>
-    <p:sldId id="285" r:id="rId16"/>
-    <p:sldId id="282" r:id="rId17"/>
-    <p:sldId id="292" r:id="rId18"/>
-    <p:sldId id="281" r:id="rId19"/>
-    <p:sldId id="284" r:id="rId20"/>
-    <p:sldId id="288" r:id="rId21"/>
-    <p:sldId id="289" r:id="rId22"/>
-    <p:sldId id="290" r:id="rId23"/>
-    <p:sldId id="273" r:id="rId24"/>
+    <p:sldId id="256" r:id="rId3"/>
+    <p:sldId id="263" r:id="rId5"/>
+    <p:sldId id="275" r:id="rId6"/>
+    <p:sldId id="277" r:id="rId7"/>
+    <p:sldId id="274" r:id="rId8"/>
+    <p:sldId id="276" r:id="rId9"/>
+    <p:sldId id="278" r:id="rId10"/>
+    <p:sldId id="279" r:id="rId11"/>
+    <p:sldId id="280" r:id="rId12"/>
+    <p:sldId id="283" r:id="rId13"/>
+    <p:sldId id="291" r:id="rId14"/>
+    <p:sldId id="285" r:id="rId15"/>
+    <p:sldId id="282" r:id="rId16"/>
+    <p:sldId id="292" r:id="rId17"/>
+    <p:sldId id="281" r:id="rId18"/>
+    <p:sldId id="284" r:id="rId19"/>
+    <p:sldId id="288" r:id="rId20"/>
+    <p:sldId id="289" r:id="rId21"/>
+    <p:sldId id="290" r:id="rId22"/>
+    <p:sldId id="273" r:id="rId23"/>
   </p:sldIdLst>
   <p:sldSz cx="9144000" cy="5143500" type="screen16x9"/>
   <p:notesSz cx="6858000" cy="9144000"/>
@@ -192,40 +192,30 @@
                     <a:lumMod val="75000"/>
                   </a:schemeClr>
                 </a:solidFill>
-                <a:latin typeface="Corbel" pitchFamily="34" charset="0"/>
+                <a:latin typeface="Corbel" panose="020B0503020204020204" pitchFamily="34" charset="0"/>
                 <a:cs typeface="Lucida Sans" pitchFamily="34" charset="0"/>
               </a:rPr>
               <a:t>Page </a:t>
             </a:r>
             <a:fld id="{5362BCBF-CB3E-484D-B44B-85C5A14B02DC}" type="slidenum">
-              <a:rPr lang="en-NZ" sz="700" b="1" smtClean="0">
-                <a:solidFill>
-                  <a:schemeClr val="tx1">
-                    <a:lumMod val="75000"/>
-                  </a:schemeClr>
-                </a:solidFill>
-                <a:latin typeface="Corbel" pitchFamily="34" charset="0"/>
-                <a:cs typeface="Lucida Sans" pitchFamily="34" charset="0"/>
-              </a:rPr>
-              <a:pPr fontAlgn="base">
-                <a:spcBef>
-                  <a:spcPct val="0"/>
-                </a:spcBef>
-                <a:spcAft>
-                  <a:spcPct val="0"/>
-                </a:spcAft>
-                <a:defRPr/>
-              </a:pPr>
-              <a:t>‹#›</a:t>
-            </a:fld>
-            <a:r>
               <a:rPr lang="en-NZ" sz="700" b="1" dirty="0" smtClean="0">
                 <a:solidFill>
                   <a:schemeClr val="tx1">
                     <a:lumMod val="75000"/>
                   </a:schemeClr>
                 </a:solidFill>
-                <a:latin typeface="Corbel" pitchFamily="34" charset="0"/>
+                <a:latin typeface="Corbel" panose="020B0503020204020204" pitchFamily="34" charset="0"/>
+                <a:cs typeface="Lucida Sans" pitchFamily="34" charset="0"/>
+              </a:rPr>
+            </a:fld>
+            <a:r>
+              <a:rPr lang="en-NZ" sz="700" b="1" dirty="0" smtClean="0">
+                <a:solidFill>
+                  <a:schemeClr val="tx1">
+                    <a:lumMod val="75000"/>
+                  </a:schemeClr>
+                </a:solidFill>
+                <a:latin typeface="Corbel" panose="020B0503020204020204" pitchFamily="34" charset="0"/>
                 <a:cs typeface="Lucida Sans" pitchFamily="34" charset="0"/>
               </a:rPr>
               <a:t> </a:t>
@@ -237,7 +227,7 @@
                     <a:lumMod val="75000"/>
                   </a:schemeClr>
                 </a:solidFill>
-                <a:latin typeface="Corbel" pitchFamily="34" charset="0"/>
+                <a:latin typeface="Corbel" panose="020B0503020204020204" pitchFamily="34" charset="0"/>
                 <a:cs typeface="Lucida Sans" pitchFamily="34" charset="0"/>
               </a:rPr>
               <a:t>•  Copyright © 2014 </a:t>
@@ -249,7 +239,7 @@
                     <a:lumMod val="75000"/>
                   </a:schemeClr>
                 </a:solidFill>
-                <a:latin typeface="Corbel" pitchFamily="34" charset="0"/>
+                <a:latin typeface="Corbel" panose="020B0503020204020204" pitchFamily="34" charset="0"/>
                 <a:cs typeface="Lucida Sans" pitchFamily="34" charset="0"/>
               </a:rPr>
               <a:t>Serko</a:t>
@@ -261,7 +251,7 @@
                     <a:lumMod val="75000"/>
                   </a:schemeClr>
                 </a:solidFill>
-                <a:latin typeface="Corbel" pitchFamily="34" charset="0"/>
+                <a:latin typeface="Corbel" panose="020B0503020204020204" pitchFamily="34" charset="0"/>
                 <a:cs typeface="Lucida Sans" pitchFamily="34" charset="0"/>
               </a:rPr>
               <a:t> • All rights reserved</a:t>
@@ -272,7 +262,7 @@
                   <a:lumMod val="75000"/>
                 </a:schemeClr>
               </a:solidFill>
-              <a:latin typeface="Corbel" pitchFamily="34" charset="0"/>
+              <a:latin typeface="Corbel" panose="020B0503020204020204" pitchFamily="34" charset="0"/>
               <a:cs typeface="Lucida Sans" pitchFamily="34" charset="0"/>
             </a:endParaRPr>
           </a:p>
@@ -287,7 +277,7 @@
           <p:nvPr/>
         </p:nvPicPr>
         <p:blipFill>
-          <a:blip r:embed="rId2" cstate="print"/>
+          <a:blip r:embed="rId1" cstate="print"/>
           <a:stretch>
             <a:fillRect/>
           </a:stretch>
@@ -341,11 +331,6 @@
         </p:style>
       </p:cxnSp>
     </p:spTree>
-    <p:extLst>
-      <p:ext uri="{BB962C8B-B14F-4D97-AF65-F5344CB8AC3E}">
-        <p14:creationId xmlns="" xmlns:p14="http://schemas.microsoft.com/office/powerpoint/2010/main" val="899599074"/>
-      </p:ext>
-    </p:extLst>
   </p:cSld>
   <p:clrMap bg1="lt1" tx1="dk1" bg2="lt2" tx2="dk2" accent1="accent1" accent2="accent2" accent3="accent3" accent4="accent4" accent5="accent5" accent6="accent6" hlink="hlink" folHlink="folHlink"/>
 </p:handoutMaster>
@@ -436,6 +421,7 @@
               <a:rPr lang="en-US" smtClean="0"/>
               <a:t>Click to edit Master text styles</a:t>
             </a:r>
+            <a:endParaRPr lang="en-US" smtClean="0"/>
           </a:p>
           <a:p>
             <a:pPr lvl="1"/>
@@ -443,6 +429,7 @@
               <a:rPr lang="en-US" smtClean="0"/>
               <a:t>Second level</a:t>
             </a:r>
+            <a:endParaRPr lang="en-US" smtClean="0"/>
           </a:p>
           <a:p>
             <a:pPr lvl="2"/>
@@ -450,6 +437,7 @@
               <a:rPr lang="en-US" smtClean="0"/>
               <a:t>Third level</a:t>
             </a:r>
+            <a:endParaRPr lang="en-US" smtClean="0"/>
           </a:p>
           <a:p>
             <a:pPr lvl="3"/>
@@ -457,6 +445,7 @@
               <a:rPr lang="en-US" smtClean="0"/>
               <a:t>Fourth level</a:t>
             </a:r>
+            <a:endParaRPr lang="en-US" smtClean="0"/>
           </a:p>
           <a:p>
             <a:pPr lvl="4"/>
@@ -504,7 +493,6 @@
               <a:buSzTx/>
               <a:buFontTx/>
               <a:buNone/>
-              <a:tabLst/>
               <a:defRPr/>
             </a:pPr>
             <a:r>
@@ -514,48 +502,30 @@
                     <a:lumMod val="75000"/>
                   </a:schemeClr>
                 </a:solidFill>
-                <a:latin typeface="Corbel" pitchFamily="34" charset="0"/>
+                <a:latin typeface="Corbel" panose="020B0503020204020204" pitchFamily="34" charset="0"/>
                 <a:cs typeface="Lucida Sans" pitchFamily="34" charset="0"/>
               </a:rPr>
               <a:t>Page </a:t>
             </a:r>
             <a:fld id="{5362BCBF-CB3E-484D-B44B-85C5A14B02DC}" type="slidenum">
-              <a:rPr lang="en-NZ" sz="700" b="1" smtClean="0">
-                <a:solidFill>
-                  <a:schemeClr val="tx1">
-                    <a:lumMod val="75000"/>
-                  </a:schemeClr>
-                </a:solidFill>
-                <a:latin typeface="Corbel" pitchFamily="34" charset="0"/>
-                <a:cs typeface="Lucida Sans" pitchFamily="34" charset="0"/>
-              </a:rPr>
-              <a:pPr marL="0" marR="0" indent="0" algn="l" defTabSz="914400" rtl="0" eaLnBrk="1" fontAlgn="base" latinLnBrk="0" hangingPunct="1">
-                <a:lnSpc>
-                  <a:spcPct val="100000"/>
-                </a:lnSpc>
-                <a:spcBef>
-                  <a:spcPct val="0"/>
-                </a:spcBef>
-                <a:spcAft>
-                  <a:spcPct val="0"/>
-                </a:spcAft>
-                <a:buClrTx/>
-                <a:buSzTx/>
-                <a:buFontTx/>
-                <a:buNone/>
-                <a:tabLst/>
-                <a:defRPr/>
-              </a:pPr>
-              <a:t>‹#›</a:t>
-            </a:fld>
-            <a:r>
               <a:rPr lang="en-NZ" sz="700" b="1" dirty="0" smtClean="0">
                 <a:solidFill>
                   <a:schemeClr val="tx1">
                     <a:lumMod val="75000"/>
                   </a:schemeClr>
                 </a:solidFill>
-                <a:latin typeface="Corbel" pitchFamily="34" charset="0"/>
+                <a:latin typeface="Corbel" panose="020B0503020204020204" pitchFamily="34" charset="0"/>
+                <a:cs typeface="Lucida Sans" pitchFamily="34" charset="0"/>
+              </a:rPr>
+            </a:fld>
+            <a:r>
+              <a:rPr lang="en-NZ" sz="700" b="1" dirty="0" smtClean="0">
+                <a:solidFill>
+                  <a:schemeClr val="tx1">
+                    <a:lumMod val="75000"/>
+                  </a:schemeClr>
+                </a:solidFill>
+                <a:latin typeface="Corbel" panose="020B0503020204020204" pitchFamily="34" charset="0"/>
                 <a:cs typeface="Lucida Sans" pitchFamily="34" charset="0"/>
               </a:rPr>
               <a:t> </a:t>
@@ -567,7 +537,7 @@
                     <a:lumMod val="75000"/>
                   </a:schemeClr>
                 </a:solidFill>
-                <a:latin typeface="Corbel" pitchFamily="34" charset="0"/>
+                <a:latin typeface="Corbel" panose="020B0503020204020204" pitchFamily="34" charset="0"/>
                 <a:ea typeface="+mn-ea"/>
                 <a:cs typeface="Lucida Sans" pitchFamily="34" charset="0"/>
               </a:rPr>
@@ -580,7 +550,7 @@
                     <a:lumMod val="75000"/>
                   </a:schemeClr>
                 </a:solidFill>
-                <a:latin typeface="Corbel" pitchFamily="34" charset="0"/>
+                <a:latin typeface="Corbel" panose="020B0503020204020204" pitchFamily="34" charset="0"/>
                 <a:ea typeface="+mn-ea"/>
                 <a:cs typeface="Lucida Sans" pitchFamily="34" charset="0"/>
               </a:rPr>
@@ -593,7 +563,7 @@
                     <a:lumMod val="75000"/>
                   </a:schemeClr>
                 </a:solidFill>
-                <a:latin typeface="Corbel" pitchFamily="34" charset="0"/>
+                <a:latin typeface="Corbel" panose="020B0503020204020204" pitchFamily="34" charset="0"/>
                 <a:ea typeface="+mn-ea"/>
                 <a:cs typeface="Lucida Sans" pitchFamily="34" charset="0"/>
               </a:rPr>
@@ -605,7 +575,7 @@
                   <a:lumMod val="75000"/>
                 </a:schemeClr>
               </a:solidFill>
-              <a:latin typeface="Corbel" pitchFamily="34" charset="0"/>
+              <a:latin typeface="Corbel" panose="020B0503020204020204" pitchFamily="34" charset="0"/>
               <a:cs typeface="Lucida Sans" pitchFamily="34" charset="0"/>
             </a:endParaRPr>
           </a:p>
@@ -658,7 +628,7 @@
           <p:nvPr/>
         </p:nvPicPr>
         <p:blipFill>
-          <a:blip r:embed="rId2"/>
+          <a:blip r:embed="rId1"/>
           <a:stretch>
             <a:fillRect/>
           </a:stretch>
@@ -674,11 +644,6 @@
         </p:spPr>
       </p:pic>
     </p:spTree>
-    <p:extLst>
-      <p:ext uri="{BB962C8B-B14F-4D97-AF65-F5344CB8AC3E}">
-        <p14:creationId xmlns="" xmlns:p14="http://schemas.microsoft.com/office/powerpoint/2010/main" val="2924664233"/>
-      </p:ext>
-    </p:extLst>
   </p:cSld>
   <p:clrMap bg1="lt1" tx1="dk1" bg2="lt2" tx2="dk2" accent1="accent1" accent2="accent2" accent3="accent3" accent4="accent4" accent5="accent5" accent6="accent6" hlink="hlink" folHlink="folHlink"/>
   <p:notesStyle>
@@ -856,8 +821,6 @@
           <a:p>
             <a:fld id="{DF1AC213-6A50-42F3-961B-747E07CA882F}" type="slidenum">
               <a:rPr lang="en-NZ" smtClean="0"/>
-              <a:pPr/>
-              <a:t>1</a:t>
             </a:fld>
             <a:endParaRPr lang="en-NZ"/>
           </a:p>
@@ -1971,7 +1934,7 @@
           <a:blip r:embed="rId2" cstate="print">
             <a:extLst>
               <a:ext uri="{28A0092B-C50C-407E-A947-70E740481C1C}">
-                <a14:useLocalDpi xmlns="" xmlns:a14="http://schemas.microsoft.com/office/drawing/2010/main" val="0"/>
+                <a14:useLocalDpi xmlns:a14="http://schemas.microsoft.com/office/drawing/2010/main" val="0"/>
               </a:ext>
             </a:extLst>
           </a:blip>
@@ -2087,7 +2050,7 @@
                   <a:schemeClr val="bg1"/>
                 </a:solidFill>
                 <a:latin typeface="Rockwell"/>
-                <a:ea typeface="Verdana" pitchFamily="34" charset="0"/>
+                <a:ea typeface="Verdana" panose="020B0604030504040204" pitchFamily="34" charset="0"/>
                 <a:cs typeface="Rockwell"/>
               </a:defRPr>
             </a:lvl1pPr>
@@ -2130,6 +2093,7 @@
               <a:rPr lang="en-GB" dirty="0" smtClean="0"/>
               <a:t>Click to edit master text styles</a:t>
             </a:r>
+            <a:endParaRPr lang="en-GB" dirty="0" smtClean="0"/>
           </a:p>
         </p:txBody>
       </p:sp>
@@ -2252,7 +2216,7 @@
                   <a:schemeClr val="bg1"/>
                 </a:solidFill>
                 <a:latin typeface="Rockwell"/>
-                <a:ea typeface="Verdana" pitchFamily="34" charset="0"/>
+                <a:ea typeface="Verdana" panose="020B0604030504040204" pitchFamily="34" charset="0"/>
                 <a:cs typeface="Rockwell"/>
               </a:defRPr>
             </a:lvl1pPr>
@@ -2302,8 +2266,8 @@
                 <a:solidFill>
                   <a:schemeClr val="bg1"/>
                 </a:solidFill>
-                <a:latin typeface="Corbel"/>
-                <a:cs typeface="Corbel"/>
+                <a:latin typeface="Corbel" panose="020B0503020204020204"/>
+                <a:cs typeface="Corbel" panose="020B0503020204020204"/>
               </a:defRPr>
             </a:lvl1pPr>
           </a:lstStyle>
@@ -2427,6 +2391,7 @@
               <a:rPr lang="en-US" smtClean="0"/>
               <a:t>Click to edit Master text styles</a:t>
             </a:r>
+            <a:endParaRPr lang="en-US" smtClean="0"/>
           </a:p>
           <a:p>
             <a:pPr lvl="1"/>
@@ -2434,6 +2399,7 @@
               <a:rPr lang="en-US" smtClean="0"/>
               <a:t>Second level</a:t>
             </a:r>
+            <a:endParaRPr lang="en-US" smtClean="0"/>
           </a:p>
           <a:p>
             <a:pPr lvl="2"/>
@@ -2441,6 +2407,7 @@
               <a:rPr lang="en-US" smtClean="0"/>
               <a:t>Third level</a:t>
             </a:r>
+            <a:endParaRPr lang="en-US" smtClean="0"/>
           </a:p>
         </p:txBody>
       </p:sp>
@@ -2547,6 +2514,7 @@
               <a:rPr lang="en-US" smtClean="0"/>
               <a:t>Click to edit Master text styles</a:t>
             </a:r>
+            <a:endParaRPr lang="en-US" smtClean="0"/>
           </a:p>
           <a:p>
             <a:pPr lvl="1"/>
@@ -2554,6 +2522,7 @@
               <a:rPr lang="en-US" smtClean="0"/>
               <a:t>Second level</a:t>
             </a:r>
+            <a:endParaRPr lang="en-US" smtClean="0"/>
           </a:p>
           <a:p>
             <a:pPr lvl="2"/>
@@ -2561,6 +2530,7 @@
               <a:rPr lang="en-US" smtClean="0"/>
               <a:t>Third level</a:t>
             </a:r>
+            <a:endParaRPr lang="en-US" smtClean="0"/>
           </a:p>
           <a:p>
             <a:pPr lvl="3"/>
@@ -2568,6 +2538,7 @@
               <a:rPr lang="en-US" smtClean="0"/>
               <a:t>Fourth level</a:t>
             </a:r>
+            <a:endParaRPr lang="en-US" smtClean="0"/>
           </a:p>
           <a:p>
             <a:pPr lvl="4"/>
@@ -2634,6 +2605,7 @@
               <a:rPr lang="en-US" smtClean="0"/>
               <a:t>Click to edit Master text styles</a:t>
             </a:r>
+            <a:endParaRPr lang="en-US" smtClean="0"/>
           </a:p>
           <a:p>
             <a:pPr lvl="1"/>
@@ -2641,6 +2613,7 @@
               <a:rPr lang="en-US" smtClean="0"/>
               <a:t>Second level</a:t>
             </a:r>
+            <a:endParaRPr lang="en-US" smtClean="0"/>
           </a:p>
           <a:p>
             <a:pPr lvl="2"/>
@@ -2648,6 +2621,7 @@
               <a:rPr lang="en-US" smtClean="0"/>
               <a:t>Third level</a:t>
             </a:r>
+            <a:endParaRPr lang="en-US" smtClean="0"/>
           </a:p>
           <a:p>
             <a:pPr lvl="3"/>
@@ -2655,6 +2629,7 @@
               <a:rPr lang="en-US" smtClean="0"/>
               <a:t>Fourth level</a:t>
             </a:r>
+            <a:endParaRPr lang="en-US" smtClean="0"/>
           </a:p>
           <a:p>
             <a:pPr lvl="4"/>
@@ -2782,6 +2757,7 @@
               <a:rPr lang="en-US" smtClean="0"/>
               <a:t>Click to edit Master text styles</a:t>
             </a:r>
+            <a:endParaRPr lang="en-US" smtClean="0"/>
           </a:p>
         </p:txBody>
       </p:sp>
@@ -2840,6 +2816,7 @@
               <a:rPr lang="en-US" smtClean="0"/>
               <a:t>Click to edit Master text styles</a:t>
             </a:r>
+            <a:endParaRPr lang="en-US" smtClean="0"/>
           </a:p>
           <a:p>
             <a:pPr lvl="1"/>
@@ -2847,6 +2824,7 @@
               <a:rPr lang="en-US" smtClean="0"/>
               <a:t>Second level</a:t>
             </a:r>
+            <a:endParaRPr lang="en-US" smtClean="0"/>
           </a:p>
           <a:p>
             <a:pPr lvl="2"/>
@@ -2854,6 +2832,7 @@
               <a:rPr lang="en-US" smtClean="0"/>
               <a:t>Third level</a:t>
             </a:r>
+            <a:endParaRPr lang="en-US" smtClean="0"/>
           </a:p>
           <a:p>
             <a:pPr lvl="3"/>
@@ -2861,6 +2840,7 @@
               <a:rPr lang="en-US" smtClean="0"/>
               <a:t>Fourth level</a:t>
             </a:r>
+            <a:endParaRPr lang="en-US" smtClean="0"/>
           </a:p>
           <a:p>
             <a:pPr lvl="4"/>
@@ -2936,6 +2916,7 @@
               <a:rPr lang="en-US" smtClean="0"/>
               <a:t>Click to edit Master text styles</a:t>
             </a:r>
+            <a:endParaRPr lang="en-US" smtClean="0"/>
           </a:p>
         </p:txBody>
       </p:sp>
@@ -2994,6 +2975,7 @@
               <a:rPr lang="en-US" smtClean="0"/>
               <a:t>Click to edit Master text styles</a:t>
             </a:r>
+            <a:endParaRPr lang="en-US" smtClean="0"/>
           </a:p>
           <a:p>
             <a:pPr lvl="1"/>
@@ -3001,6 +2983,7 @@
               <a:rPr lang="en-US" smtClean="0"/>
               <a:t>Second level</a:t>
             </a:r>
+            <a:endParaRPr lang="en-US" smtClean="0"/>
           </a:p>
           <a:p>
             <a:pPr lvl="2"/>
@@ -3008,6 +2991,7 @@
               <a:rPr lang="en-US" smtClean="0"/>
               <a:t>Third level</a:t>
             </a:r>
+            <a:endParaRPr lang="en-US" smtClean="0"/>
           </a:p>
           <a:p>
             <a:pPr lvl="3"/>
@@ -3015,6 +2999,7 @@
               <a:rPr lang="en-US" smtClean="0"/>
               <a:t>Fourth level</a:t>
             </a:r>
+            <a:endParaRPr lang="en-US" smtClean="0"/>
           </a:p>
           <a:p>
             <a:pPr lvl="4"/>
@@ -3076,6 +3061,7 @@
               <a:rPr lang="en-US" smtClean="0"/>
               <a:t>Click to edit Master text styles</a:t>
             </a:r>
+            <a:endParaRPr lang="en-US" smtClean="0"/>
           </a:p>
         </p:txBody>
       </p:sp>
@@ -3115,43 +3101,24 @@
               <a:buSzTx/>
               <a:buFontTx/>
               <a:buNone/>
-              <a:tabLst/>
               <a:defRPr/>
             </a:pPr>
             <a:r>
               <a:rPr lang="en-NZ" sz="600" dirty="0" smtClean="0">
-                <a:latin typeface="Corbel" pitchFamily="34" charset="0"/>
+                <a:latin typeface="Corbel" panose="020B0503020204020204" pitchFamily="34" charset="0"/>
                 <a:cs typeface="Lucida Sans" pitchFamily="34" charset="0"/>
               </a:rPr>
               <a:t>Page </a:t>
             </a:r>
             <a:fld id="{5362BCBF-CB3E-484D-B44B-85C5A14B02DC}" type="slidenum">
-              <a:rPr lang="en-NZ" sz="600" smtClean="0">
-                <a:latin typeface="Corbel" pitchFamily="34" charset="0"/>
+              <a:rPr lang="en-NZ" sz="600" dirty="0" smtClean="0">
+                <a:latin typeface="Corbel" panose="020B0503020204020204" pitchFamily="34" charset="0"/>
                 <a:cs typeface="Lucida Sans" pitchFamily="34" charset="0"/>
               </a:rPr>
-              <a:pPr marL="0" marR="0" indent="0" algn="l" defTabSz="914400" rtl="0" eaLnBrk="1" fontAlgn="base" latinLnBrk="0" hangingPunct="1">
-                <a:lnSpc>
-                  <a:spcPct val="100000"/>
-                </a:lnSpc>
-                <a:spcBef>
-                  <a:spcPct val="0"/>
-                </a:spcBef>
-                <a:spcAft>
-                  <a:spcPct val="0"/>
-                </a:spcAft>
-                <a:buClrTx/>
-                <a:buSzTx/>
-                <a:buFontTx/>
-                <a:buNone/>
-                <a:tabLst/>
-                <a:defRPr/>
-              </a:pPr>
-              <a:t>‹#›</a:t>
             </a:fld>
             <a:r>
               <a:rPr lang="en-NZ" sz="600" dirty="0" smtClean="0">
-                <a:latin typeface="Corbel" pitchFamily="34" charset="0"/>
+                <a:latin typeface="Corbel" panose="020B0503020204020204" pitchFamily="34" charset="0"/>
                 <a:cs typeface="Lucida Sans" pitchFamily="34" charset="0"/>
               </a:rPr>
               <a:t> • </a:t>
@@ -3161,14 +3128,14 @@
                 <a:solidFill>
                   <a:schemeClr val="tx1"/>
                 </a:solidFill>
-                <a:latin typeface="Corbel" pitchFamily="34" charset="0"/>
+                <a:latin typeface="Corbel" panose="020B0503020204020204" pitchFamily="34" charset="0"/>
                 <a:ea typeface="+mn-ea"/>
                 <a:cs typeface="Lucida Sans" pitchFamily="34" charset="0"/>
               </a:rPr>
               <a:t>Copyright © 2014 Serko | All rights reserved</a:t>
             </a:r>
             <a:endParaRPr lang="en-NZ" sz="600" baseline="0" dirty="0">
-              <a:latin typeface="Corbel" pitchFamily="34" charset="0"/>
+              <a:latin typeface="Corbel" panose="020B0503020204020204" pitchFamily="34" charset="0"/>
               <a:cs typeface="Lucida Sans" pitchFamily="34" charset="0"/>
             </a:endParaRPr>
           </a:p>
@@ -3298,7 +3265,7 @@
           <a:blip r:embed="rId4" cstate="print">
             <a:extLst>
               <a:ext uri="{28A0092B-C50C-407E-A947-70E740481C1C}">
-                <a14:useLocalDpi xmlns="" xmlns:a14="http://schemas.microsoft.com/office/drawing/2010/main" val="0"/>
+                <a14:useLocalDpi xmlns:a14="http://schemas.microsoft.com/office/drawing/2010/main" val="0"/>
               </a:ext>
             </a:extLst>
           </a:blip>
@@ -3450,6 +3417,7 @@
               <a:rPr lang="en-US" smtClean="0"/>
               <a:t>Click to edit Master text styles</a:t>
             </a:r>
+            <a:endParaRPr lang="en-US" smtClean="0"/>
           </a:p>
         </p:txBody>
       </p:sp>
@@ -3489,43 +3457,24 @@
               <a:buSzTx/>
               <a:buFontTx/>
               <a:buNone/>
-              <a:tabLst/>
               <a:defRPr/>
             </a:pPr>
             <a:r>
               <a:rPr lang="en-NZ" sz="600" dirty="0" smtClean="0">
-                <a:latin typeface="Corbel" pitchFamily="34" charset="0"/>
+                <a:latin typeface="Corbel" panose="020B0503020204020204" pitchFamily="34" charset="0"/>
                 <a:cs typeface="Lucida Sans" pitchFamily="34" charset="0"/>
               </a:rPr>
               <a:t>Page </a:t>
             </a:r>
             <a:fld id="{5362BCBF-CB3E-484D-B44B-85C5A14B02DC}" type="slidenum">
-              <a:rPr lang="en-NZ" sz="600" smtClean="0">
-                <a:latin typeface="Corbel" pitchFamily="34" charset="0"/>
+              <a:rPr lang="en-NZ" sz="600" dirty="0" smtClean="0">
+                <a:latin typeface="Corbel" panose="020B0503020204020204" pitchFamily="34" charset="0"/>
                 <a:cs typeface="Lucida Sans" pitchFamily="34" charset="0"/>
               </a:rPr>
-              <a:pPr marL="0" marR="0" indent="0" algn="l" defTabSz="914400" rtl="0" eaLnBrk="1" fontAlgn="base" latinLnBrk="0" hangingPunct="1">
-                <a:lnSpc>
-                  <a:spcPct val="100000"/>
-                </a:lnSpc>
-                <a:spcBef>
-                  <a:spcPct val="0"/>
-                </a:spcBef>
-                <a:spcAft>
-                  <a:spcPct val="0"/>
-                </a:spcAft>
-                <a:buClrTx/>
-                <a:buSzTx/>
-                <a:buFontTx/>
-                <a:buNone/>
-                <a:tabLst/>
-                <a:defRPr/>
-              </a:pPr>
-              <a:t>‹#›</a:t>
             </a:fld>
             <a:r>
               <a:rPr lang="en-NZ" sz="600" dirty="0" smtClean="0">
-                <a:latin typeface="Corbel" pitchFamily="34" charset="0"/>
+                <a:latin typeface="Corbel" panose="020B0503020204020204" pitchFamily="34" charset="0"/>
                 <a:cs typeface="Lucida Sans" pitchFamily="34" charset="0"/>
               </a:rPr>
               <a:t> • </a:t>
@@ -3535,14 +3484,14 @@
                 <a:solidFill>
                   <a:schemeClr val="tx1"/>
                 </a:solidFill>
-                <a:latin typeface="Corbel" pitchFamily="34" charset="0"/>
+                <a:latin typeface="Corbel" panose="020B0503020204020204" pitchFamily="34" charset="0"/>
                 <a:ea typeface="+mn-ea"/>
                 <a:cs typeface="Lucida Sans" pitchFamily="34" charset="0"/>
               </a:rPr>
               <a:t>Copyright © 2014 Serko | All rights reserved</a:t>
             </a:r>
             <a:endParaRPr lang="en-NZ" sz="600" baseline="0" dirty="0">
-              <a:latin typeface="Corbel" pitchFamily="34" charset="0"/>
+              <a:latin typeface="Corbel" panose="020B0503020204020204" pitchFamily="34" charset="0"/>
               <a:cs typeface="Lucida Sans" pitchFamily="34" charset="0"/>
             </a:endParaRPr>
           </a:p>
@@ -3783,8 +3732,6 @@
           <a:p>
             <a:fld id="{9764F557-03A0-4CEF-A4E9-6C3F1326D249}" type="datetimeFigureOut">
               <a:rPr lang="zh-CN" altLang="en-US" smtClean="0"/>
-              <a:pPr/>
-              <a:t>2016/1/27</a:t>
             </a:fld>
             <a:endParaRPr lang="zh-CN" altLang="en-US"/>
           </a:p>
@@ -3842,8 +3789,6 @@
           <a:p>
             <a:fld id="{6EFBC596-9841-4EF4-ADE6-C26E01FE2515}" type="slidenum">
               <a:rPr lang="zh-CN" altLang="en-US" smtClean="0"/>
-              <a:pPr/>
-              <a:t>‹#›</a:t>
             </a:fld>
             <a:endParaRPr lang="zh-CN" altLang="en-US"/>
           </a:p>
@@ -3990,6 +3935,7 @@
               <a:rPr lang="en-US" smtClean="0"/>
               <a:t>Click to edit Master text styles</a:t>
             </a:r>
+            <a:endParaRPr lang="en-US" smtClean="0"/>
           </a:p>
           <a:p>
             <a:pPr lvl="1"/>
@@ -3997,6 +3943,7 @@
               <a:rPr lang="en-US" smtClean="0"/>
               <a:t>Second level</a:t>
             </a:r>
+            <a:endParaRPr lang="en-US" smtClean="0"/>
           </a:p>
           <a:p>
             <a:pPr lvl="2"/>
@@ -4004,6 +3951,7 @@
               <a:rPr lang="en-US" smtClean="0"/>
               <a:t>Third level</a:t>
             </a:r>
+            <a:endParaRPr lang="en-US" smtClean="0"/>
           </a:p>
           <a:p>
             <a:pPr lvl="3"/>
@@ -4011,6 +3959,7 @@
               <a:rPr lang="en-US" smtClean="0"/>
               <a:t>Fourth level</a:t>
             </a:r>
+            <a:endParaRPr lang="en-US" smtClean="0"/>
           </a:p>
           <a:p>
             <a:pPr lvl="4"/>
@@ -4058,7 +4007,6 @@
               <a:buSzTx/>
               <a:buFontTx/>
               <a:buNone/>
-              <a:tabLst/>
               <a:defRPr/>
             </a:pPr>
             <a:r>
@@ -4068,48 +4016,30 @@
                     <a:lumMod val="65000"/>
                   </a:schemeClr>
                 </a:solidFill>
-                <a:latin typeface="Corbel" pitchFamily="34" charset="0"/>
+                <a:latin typeface="Corbel" panose="020B0503020204020204" pitchFamily="34" charset="0"/>
                 <a:cs typeface="Lucida Sans" pitchFamily="34" charset="0"/>
               </a:rPr>
               <a:t>Page </a:t>
             </a:r>
             <a:fld id="{5362BCBF-CB3E-484D-B44B-85C5A14B02DC}" type="slidenum">
-              <a:rPr lang="en-NZ" sz="700" b="1" smtClean="0">
-                <a:solidFill>
-                  <a:schemeClr val="bg1">
-                    <a:lumMod val="65000"/>
-                  </a:schemeClr>
-                </a:solidFill>
-                <a:latin typeface="Corbel" pitchFamily="34" charset="0"/>
-                <a:cs typeface="Lucida Sans" pitchFamily="34" charset="0"/>
-              </a:rPr>
-              <a:pPr marL="0" marR="0" indent="0" algn="l" defTabSz="914400" rtl="0" eaLnBrk="1" fontAlgn="base" latinLnBrk="0" hangingPunct="1">
-                <a:lnSpc>
-                  <a:spcPct val="100000"/>
-                </a:lnSpc>
-                <a:spcBef>
-                  <a:spcPct val="0"/>
-                </a:spcBef>
-                <a:spcAft>
-                  <a:spcPct val="0"/>
-                </a:spcAft>
-                <a:buClrTx/>
-                <a:buSzTx/>
-                <a:buFontTx/>
-                <a:buNone/>
-                <a:tabLst/>
-                <a:defRPr/>
-              </a:pPr>
-              <a:t>‹#›</a:t>
-            </a:fld>
-            <a:r>
               <a:rPr lang="en-NZ" sz="700" b="1" dirty="0" smtClean="0">
                 <a:solidFill>
                   <a:schemeClr val="bg1">
                     <a:lumMod val="65000"/>
                   </a:schemeClr>
                 </a:solidFill>
-                <a:latin typeface="Corbel" pitchFamily="34" charset="0"/>
+                <a:latin typeface="Corbel" panose="020B0503020204020204" pitchFamily="34" charset="0"/>
+                <a:cs typeface="Lucida Sans" pitchFamily="34" charset="0"/>
+              </a:rPr>
+            </a:fld>
+            <a:r>
+              <a:rPr lang="en-NZ" sz="700" b="1" dirty="0" smtClean="0">
+                <a:solidFill>
+                  <a:schemeClr val="bg1">
+                    <a:lumMod val="65000"/>
+                  </a:schemeClr>
+                </a:solidFill>
+                <a:latin typeface="Corbel" panose="020B0503020204020204" pitchFamily="34" charset="0"/>
                 <a:cs typeface="Lucida Sans" pitchFamily="34" charset="0"/>
               </a:rPr>
               <a:t> </a:t>
@@ -4121,7 +4051,7 @@
                     <a:lumMod val="65000"/>
                   </a:schemeClr>
                 </a:solidFill>
-                <a:latin typeface="Corbel" pitchFamily="34" charset="0"/>
+                <a:latin typeface="Corbel" panose="020B0503020204020204" pitchFamily="34" charset="0"/>
                 <a:ea typeface="+mn-ea"/>
                 <a:cs typeface="Lucida Sans" pitchFamily="34" charset="0"/>
               </a:rPr>
@@ -4134,7 +4064,7 @@
                     <a:lumMod val="65000"/>
                   </a:schemeClr>
                 </a:solidFill>
-                <a:latin typeface="Corbel" pitchFamily="34" charset="0"/>
+                <a:latin typeface="Corbel" panose="020B0503020204020204" pitchFamily="34" charset="0"/>
                 <a:ea typeface="+mn-ea"/>
                 <a:cs typeface="Lucida Sans" pitchFamily="34" charset="0"/>
               </a:rPr>
@@ -4147,7 +4077,7 @@
                     <a:lumMod val="65000"/>
                   </a:schemeClr>
                 </a:solidFill>
-                <a:latin typeface="Corbel" pitchFamily="34" charset="0"/>
+                <a:latin typeface="Corbel" panose="020B0503020204020204" pitchFamily="34" charset="0"/>
                 <a:ea typeface="+mn-ea"/>
                 <a:cs typeface="Lucida Sans" pitchFamily="34" charset="0"/>
               </a:rPr>
@@ -4159,7 +4089,7 @@
                   <a:lumMod val="65000"/>
                 </a:schemeClr>
               </a:solidFill>
-              <a:latin typeface="Corbel" pitchFamily="34" charset="0"/>
+              <a:latin typeface="Corbel" panose="020B0503020204020204" pitchFamily="34" charset="0"/>
               <a:cs typeface="Lucida Sans" pitchFamily="34" charset="0"/>
             </a:endParaRPr>
           </a:p>
@@ -4174,7 +4104,7 @@
           <p:nvPr/>
         </p:nvPicPr>
         <p:blipFill>
-          <a:blip r:embed="rId11" cstate="print"/>
+          <a:blip r:embed="rId10" cstate="print"/>
           <a:stretch>
             <a:fillRect/>
           </a:stretch>
@@ -4235,7 +4165,7 @@
           <p:nvPr/>
         </p:nvPicPr>
         <p:blipFill>
-          <a:blip r:embed="rId12" cstate="print"/>
+          <a:blip r:embed="rId11" cstate="print"/>
           <a:stretch>
             <a:fillRect/>
           </a:stretch>
@@ -4254,15 +4184,15 @@
   </p:cSld>
   <p:clrMap bg1="lt1" tx1="dk1" bg2="lt2" tx2="dk2" accent1="accent1" accent2="accent2" accent3="accent3" accent4="accent4" accent5="accent5" accent6="accent6" hlink="hlink" folHlink="folHlink"/>
   <p:sldLayoutIdLst>
-    <p:sldLayoutId id="2147483662" r:id="rId1"/>
-    <p:sldLayoutId id="2147483663" r:id="rId2"/>
-    <p:sldLayoutId id="2147483650" r:id="rId3"/>
+    <p:sldLayoutId id="2147483649" r:id="rId1"/>
+    <p:sldLayoutId id="2147483650" r:id="rId2"/>
+    <p:sldLayoutId id="2147483651" r:id="rId3"/>
     <p:sldLayoutId id="2147483652" r:id="rId4"/>
     <p:sldLayoutId id="2147483653" r:id="rId5"/>
     <p:sldLayoutId id="2147483654" r:id="rId6"/>
-    <p:sldLayoutId id="2147483664" r:id="rId7"/>
-    <p:sldLayoutId id="2147483680" r:id="rId8"/>
-    <p:sldLayoutId id="2147483681" r:id="rId9"/>
+    <p:sldLayoutId id="2147483655" r:id="rId7"/>
+    <p:sldLayoutId id="2147483656" r:id="rId8"/>
+    <p:sldLayoutId id="2147483657" r:id="rId9"/>
   </p:sldLayoutIdLst>
   <p:txStyles>
     <p:titleStyle>
@@ -4276,7 +4206,7 @@
             <a:schemeClr val="bg1"/>
           </a:solidFill>
           <a:latin typeface="Rockwell"/>
-          <a:ea typeface="Verdana" pitchFamily="34" charset="0"/>
+          <a:ea typeface="Verdana" panose="020B0604030504040204" pitchFamily="34" charset="0"/>
           <a:cs typeface="Rockwell"/>
         </a:defRPr>
       </a:lvl1pPr>
@@ -4286,82 +4216,82 @@
         <a:spcBef>
           <a:spcPct val="20000"/>
         </a:spcBef>
-        <a:buFont typeface="Arial" pitchFamily="34" charset="0"/>
+        <a:buFont typeface="Arial" panose="020B0604020202020204" pitchFamily="34" charset="0"/>
         <a:buChar char="•"/>
         <a:defRPr sz="1800" b="0" kern="1200" spc="0">
           <a:solidFill>
             <a:schemeClr val="tx1"/>
           </a:solidFill>
-          <a:latin typeface="Corbel"/>
-          <a:ea typeface="Verdana" pitchFamily="34" charset="0"/>
-          <a:cs typeface="Corbel"/>
+          <a:latin typeface="Corbel" panose="020B0503020204020204"/>
+          <a:ea typeface="Verdana" panose="020B0604030504040204" pitchFamily="34" charset="0"/>
+          <a:cs typeface="Corbel" panose="020B0503020204020204"/>
         </a:defRPr>
       </a:lvl1pPr>
       <a:lvl2pPr marL="742950" indent="-285750" algn="l" defTabSz="914400" rtl="0" eaLnBrk="1" latinLnBrk="0" hangingPunct="1">
         <a:spcBef>
           <a:spcPct val="20000"/>
         </a:spcBef>
-        <a:buFont typeface="Arial" pitchFamily="34" charset="0"/>
+        <a:buFont typeface="Arial" panose="020B0604020202020204" pitchFamily="34" charset="0"/>
         <a:buChar char="–"/>
         <a:defRPr sz="1600" kern="1200" spc="0">
           <a:solidFill>
             <a:schemeClr val="tx1"/>
           </a:solidFill>
-          <a:latin typeface="Corbel"/>
-          <a:ea typeface="Verdana" pitchFamily="34" charset="0"/>
-          <a:cs typeface="Corbel"/>
+          <a:latin typeface="Corbel" panose="020B0503020204020204"/>
+          <a:ea typeface="Verdana" panose="020B0604030504040204" pitchFamily="34" charset="0"/>
+          <a:cs typeface="Corbel" panose="020B0503020204020204"/>
         </a:defRPr>
       </a:lvl2pPr>
       <a:lvl3pPr marL="1143000" indent="-228600" algn="l" defTabSz="914400" rtl="0" eaLnBrk="1" latinLnBrk="0" hangingPunct="1">
         <a:spcBef>
           <a:spcPct val="20000"/>
         </a:spcBef>
-        <a:buFont typeface="Arial" pitchFamily="34" charset="0"/>
+        <a:buFont typeface="Arial" panose="020B0604020202020204" pitchFamily="34" charset="0"/>
         <a:buChar char="•"/>
         <a:defRPr sz="1600" kern="1200" spc="0">
           <a:solidFill>
             <a:schemeClr val="tx1"/>
           </a:solidFill>
-          <a:latin typeface="Corbel"/>
-          <a:ea typeface="Verdana" pitchFamily="34" charset="0"/>
-          <a:cs typeface="Corbel"/>
+          <a:latin typeface="Corbel" panose="020B0503020204020204"/>
+          <a:ea typeface="Verdana" panose="020B0604030504040204" pitchFamily="34" charset="0"/>
+          <a:cs typeface="Corbel" panose="020B0503020204020204"/>
         </a:defRPr>
       </a:lvl3pPr>
       <a:lvl4pPr marL="1600200" indent="-228600" algn="l" defTabSz="914400" rtl="0" eaLnBrk="1" latinLnBrk="0" hangingPunct="1">
         <a:spcBef>
           <a:spcPct val="20000"/>
         </a:spcBef>
-        <a:buFont typeface="Arial" pitchFamily="34" charset="0"/>
+        <a:buFont typeface="Arial" panose="020B0604020202020204" pitchFamily="34" charset="0"/>
         <a:buChar char="–"/>
         <a:defRPr sz="1600" kern="1200" spc="0">
           <a:solidFill>
             <a:schemeClr val="tx1"/>
           </a:solidFill>
-          <a:latin typeface="Corbel"/>
-          <a:ea typeface="Verdana" pitchFamily="34" charset="0"/>
-          <a:cs typeface="Corbel"/>
+          <a:latin typeface="Corbel" panose="020B0503020204020204"/>
+          <a:ea typeface="Verdana" panose="020B0604030504040204" pitchFamily="34" charset="0"/>
+          <a:cs typeface="Corbel" panose="020B0503020204020204"/>
         </a:defRPr>
       </a:lvl4pPr>
       <a:lvl5pPr marL="2057400" indent="-228600" algn="l" defTabSz="914400" rtl="0" eaLnBrk="1" latinLnBrk="0" hangingPunct="1">
         <a:spcBef>
           <a:spcPct val="20000"/>
         </a:spcBef>
-        <a:buFont typeface="Arial" pitchFamily="34" charset="0"/>
+        <a:buFont typeface="Arial" panose="020B0604020202020204" pitchFamily="34" charset="0"/>
         <a:buChar char="»"/>
         <a:defRPr sz="1600" kern="1200" spc="0">
           <a:solidFill>
             <a:schemeClr val="tx1"/>
           </a:solidFill>
-          <a:latin typeface="Corbel"/>
-          <a:ea typeface="Verdana" pitchFamily="34" charset="0"/>
-          <a:cs typeface="Corbel"/>
+          <a:latin typeface="Corbel" panose="020B0503020204020204"/>
+          <a:ea typeface="Verdana" panose="020B0604030504040204" pitchFamily="34" charset="0"/>
+          <a:cs typeface="Corbel" panose="020B0503020204020204"/>
         </a:defRPr>
       </a:lvl5pPr>
       <a:lvl6pPr marL="2514600" indent="-228600" algn="l" defTabSz="914400" rtl="0" eaLnBrk="1" latinLnBrk="0" hangingPunct="1">
         <a:spcBef>
           <a:spcPct val="20000"/>
         </a:spcBef>
-        <a:buFont typeface="Arial" pitchFamily="34" charset="0"/>
+        <a:buFont typeface="Arial" panose="020B0604020202020204" pitchFamily="34" charset="0"/>
         <a:buChar char="•"/>
         <a:defRPr sz="2000" kern="1200">
           <a:solidFill>
@@ -4376,7 +4306,7 @@
         <a:spcBef>
           <a:spcPct val="20000"/>
         </a:spcBef>
-        <a:buFont typeface="Arial" pitchFamily="34" charset="0"/>
+        <a:buFont typeface="Arial" panose="020B0604020202020204" pitchFamily="34" charset="0"/>
         <a:buChar char="•"/>
         <a:defRPr sz="2000" kern="1200">
           <a:solidFill>
@@ -4391,7 +4321,7 @@
         <a:spcBef>
           <a:spcPct val="20000"/>
         </a:spcBef>
-        <a:buFont typeface="Arial" pitchFamily="34" charset="0"/>
+        <a:buFont typeface="Arial" panose="020B0604020202020204" pitchFamily="34" charset="0"/>
         <a:buChar char="•"/>
         <a:defRPr sz="2000" kern="1200">
           <a:solidFill>
@@ -4406,7 +4336,7 @@
         <a:spcBef>
           <a:spcPct val="20000"/>
         </a:spcBef>
-        <a:buFont typeface="Arial" pitchFamily="34" charset="0"/>
+        <a:buFont typeface="Arial" panose="020B0604020202020204" pitchFamily="34" charset="0"/>
         <a:buChar char="•"/>
         <a:defRPr sz="2000" kern="1200">
           <a:solidFill>
@@ -4640,17 +4570,18 @@
           <a:lstStyle/>
           <a:p>
             <a:pPr>
-              <a:buFont typeface="Wingdings" pitchFamily="2" charset="2"/>
+              <a:buFont typeface="Wingdings" panose="05000000000000000000" pitchFamily="2" charset="2"/>
               <a:buChar char="Ø"/>
             </a:pPr>
             <a:r>
               <a:rPr lang="en-US" altLang="zh-CN" dirty="0" smtClean="0"/>
               <a:t>All managed code:</a:t>
             </a:r>
+            <a:endParaRPr lang="en-US" altLang="zh-CN" dirty="0" smtClean="0"/>
           </a:p>
           <a:p>
             <a:pPr lvl="1">
-              <a:buFont typeface="Corbel" pitchFamily="34" charset="0"/>
+              <a:buFont typeface="Corbel" panose="020B0503020204020204" pitchFamily="34" charset="0"/>
               <a:buChar char="–"/>
             </a:pPr>
             <a:r>
@@ -4665,10 +4596,11 @@
               <a:rPr lang="en-US" altLang="zh-CN" dirty="0" smtClean="0"/>
               <a:t>&lt;assembly name&gt; &lt;method full name&gt;</a:t>
             </a:r>
+            <a:endParaRPr lang="en-US" altLang="zh-CN" dirty="0" smtClean="0"/>
           </a:p>
           <a:p>
             <a:pPr lvl="1">
-              <a:buFont typeface="Corbel" pitchFamily="34" charset="0"/>
+              <a:buFont typeface="Corbel" panose="020B0503020204020204" pitchFamily="34" charset="0"/>
               <a:buChar char="–"/>
             </a:pPr>
             <a:r>
@@ -4683,10 +4615,11 @@
               <a:rPr lang="en-US" altLang="zh-CN" dirty="0" smtClean="0"/>
               <a:t>&lt;method description&gt;</a:t>
             </a:r>
+            <a:endParaRPr lang="en-US" altLang="zh-CN" dirty="0" smtClean="0"/>
           </a:p>
           <a:p>
             <a:pPr lvl="1">
-              <a:buFont typeface="Corbel" pitchFamily="34" charset="0"/>
+              <a:buFont typeface="Corbel" panose="020B0503020204020204" pitchFamily="34" charset="0"/>
               <a:buChar char="–"/>
             </a:pPr>
             <a:r>
@@ -4701,20 +4634,22 @@
               <a:rPr lang="en-US" altLang="zh-CN" dirty="0" smtClean="0"/>
               <a:t>&lt;source file name&gt;:&lt;line number&gt; (Only for private symbol file)</a:t>
             </a:r>
+            <a:endParaRPr lang="en-US" altLang="zh-CN" dirty="0" smtClean="0"/>
           </a:p>
           <a:p>
             <a:pPr>
-              <a:buFont typeface="Wingdings" pitchFamily="2" charset="2"/>
+              <a:buFont typeface="Wingdings" panose="05000000000000000000" pitchFamily="2" charset="2"/>
               <a:buChar char="Ø"/>
             </a:pPr>
             <a:r>
               <a:rPr lang="en-US" altLang="zh-CN" dirty="0" smtClean="0"/>
               <a:t>PreJitted or Jitted:</a:t>
             </a:r>
+            <a:endParaRPr lang="en-US" altLang="zh-CN" dirty="0" smtClean="0"/>
           </a:p>
           <a:p>
             <a:pPr lvl="1">
-              <a:buFont typeface="Corbel" pitchFamily="34" charset="0"/>
+              <a:buFont typeface="Corbel" panose="020B0503020204020204" pitchFamily="34" charset="0"/>
               <a:buChar char="–"/>
             </a:pPr>
             <a:r>
@@ -4729,10 +4664,11 @@
               <a:rPr lang="en-US" altLang="zh-CN" dirty="0" smtClean="0"/>
               <a:t>to get code address</a:t>
             </a:r>
+            <a:endParaRPr lang="en-US" altLang="zh-CN" dirty="0" smtClean="0"/>
           </a:p>
           <a:p>
             <a:pPr lvl="1">
-              <a:buFont typeface="Corbel" pitchFamily="34" charset="0"/>
+              <a:buFont typeface="Corbel" panose="020B0503020204020204" pitchFamily="34" charset="0"/>
               <a:buChar char="–"/>
             </a:pPr>
             <a:r>
@@ -4747,20 +4683,22 @@
               <a:rPr lang="en-US" altLang="zh-CN" dirty="0" smtClean="0"/>
               <a:t> to set breakpoint</a:t>
             </a:r>
+            <a:endParaRPr lang="en-US" altLang="zh-CN" dirty="0" smtClean="0"/>
           </a:p>
           <a:p>
             <a:pPr>
-              <a:buFont typeface="Wingdings" pitchFamily="2" charset="2"/>
+              <a:buFont typeface="Wingdings" panose="05000000000000000000" pitchFamily="2" charset="2"/>
               <a:buChar char="Ø"/>
             </a:pPr>
             <a:r>
               <a:rPr lang="en-US" altLang="zh-CN" dirty="0" smtClean="0"/>
               <a:t>No Jitted:</a:t>
             </a:r>
+            <a:endParaRPr lang="en-US" altLang="zh-CN" dirty="0" smtClean="0"/>
           </a:p>
           <a:p>
             <a:pPr lvl="1">
-              <a:buFont typeface="Corbel" pitchFamily="34" charset="0"/>
+              <a:buFont typeface="Corbel" panose="020B0503020204020204" pitchFamily="34" charset="0"/>
               <a:buChar char="–"/>
             </a:pPr>
             <a:r>
@@ -4799,31 +4737,32 @@
               <a:rPr lang="en-US" altLang="zh-CN" dirty="0" smtClean="0"/>
               <a:t>"</a:t>
             </a:r>
+            <a:endParaRPr lang="en-US" altLang="zh-CN" dirty="0" smtClean="0"/>
           </a:p>
           <a:p>
             <a:pPr>
-              <a:buFont typeface="Corbel" pitchFamily="34" charset="0"/>
+              <a:buFont typeface="Corbel" panose="020B0503020204020204" pitchFamily="34" charset="0"/>
               <a:buChar char="–"/>
             </a:pPr>
             <a:endParaRPr lang="en-US" altLang="zh-CN" dirty="0" smtClean="0"/>
           </a:p>
           <a:p>
             <a:pPr>
-              <a:buFont typeface="Corbel" pitchFamily="34" charset="0"/>
+              <a:buFont typeface="Corbel" panose="020B0503020204020204" pitchFamily="34" charset="0"/>
               <a:buChar char="–"/>
             </a:pPr>
             <a:endParaRPr lang="en-US" altLang="zh-CN" dirty="0" smtClean="0"/>
           </a:p>
           <a:p>
             <a:pPr>
-              <a:buFont typeface="Corbel" pitchFamily="34" charset="0"/>
+              <a:buFont typeface="Corbel" panose="020B0503020204020204" pitchFamily="34" charset="0"/>
               <a:buChar char="–"/>
             </a:pPr>
             <a:endParaRPr lang="en-US" altLang="zh-CN" dirty="0" smtClean="0"/>
           </a:p>
           <a:p>
             <a:pPr>
-              <a:buFont typeface="Corbel" pitchFamily="34" charset="0"/>
+              <a:buFont typeface="Corbel" panose="020B0503020204020204" pitchFamily="34" charset="0"/>
               <a:buChar char="–"/>
             </a:pPr>
             <a:endParaRPr lang="en-US" altLang="zh-CN" dirty="0" smtClean="0"/>
@@ -5911,14 +5850,6 @@
                   </a:tcPr>
                 </a:tc>
                 <a:tc hMerge="1">
-                  <a:txBody>
-                    <a:bodyPr/>
-                    <a:lstStyle/>
-                    <a:p>
-                      <a:pPr algn="ctr"/>
-                      <a:endParaRPr lang="zh-CN" altLang="en-US" sz="1000" dirty="0"/>
-                    </a:p>
-                  </a:txBody>
                   <a:tcPr>
                     <a:lnL w="6350" cap="flat" cmpd="sng" algn="ctr">
                       <a:solidFill>
@@ -6901,7 +6832,6 @@
                         <a:buSzTx/>
                         <a:buFontTx/>
                         <a:buNone/>
-                        <a:tabLst/>
                         <a:defRPr/>
                       </a:pPr>
                       <a:r>
@@ -7192,27 +7122,29 @@
           <a:lstStyle/>
           <a:p>
             <a:pPr>
-              <a:buFont typeface="Wingdings" pitchFamily="2" charset="2"/>
+              <a:buFont typeface="Wingdings" panose="05000000000000000000" pitchFamily="2" charset="2"/>
               <a:buChar char="Ø"/>
             </a:pPr>
             <a:r>
               <a:rPr lang="en-US" altLang="zh-CN" dirty="0" smtClean="0"/>
               <a:t>Help to monitor and generate the related log and dump as required.</a:t>
             </a:r>
+            <a:endParaRPr lang="en-US" altLang="zh-CN" dirty="0" smtClean="0"/>
           </a:p>
           <a:p>
             <a:pPr lvl="1">
-              <a:buFont typeface="Corbel" pitchFamily="34" charset="0"/>
+              <a:buFont typeface="Corbel" panose="020B0503020204020204" pitchFamily="34" charset="0"/>
               <a:buChar char="–"/>
             </a:pPr>
             <a:r>
               <a:rPr lang="en-US" altLang="zh-CN" b="1" dirty="0" smtClean="0"/>
               <a:t>-hang</a:t>
             </a:r>
+            <a:endParaRPr lang="en-US" altLang="zh-CN" b="1" dirty="0" smtClean="0"/>
           </a:p>
           <a:p>
             <a:pPr lvl="1">
-              <a:buFont typeface="Corbel" pitchFamily="34" charset="0"/>
+              <a:buFont typeface="Corbel" panose="020B0503020204020204" pitchFamily="34" charset="0"/>
               <a:buChar char="–"/>
             </a:pPr>
             <a:r>
@@ -7223,7 +7155,7 @@
           </a:p>
           <a:p>
             <a:pPr lvl="1">
-              <a:buFont typeface="Corbel" pitchFamily="34" charset="0"/>
+              <a:buFont typeface="Corbel" panose="020B0503020204020204" pitchFamily="34" charset="0"/>
               <a:buChar char="–"/>
             </a:pPr>
             <a:r>
@@ -7238,10 +7170,11 @@
               <a:rPr lang="en-US" altLang="zh-CN" i="1" dirty="0" smtClean="0"/>
               <a:t>process name&gt;</a:t>
             </a:r>
+            <a:endParaRPr lang="en-US" altLang="zh-CN" i="1" dirty="0" smtClean="0"/>
           </a:p>
           <a:p>
             <a:pPr lvl="1">
-              <a:buFont typeface="Corbel" pitchFamily="34" charset="0"/>
+              <a:buFont typeface="Corbel" panose="020B0503020204020204" pitchFamily="34" charset="0"/>
               <a:buChar char="–"/>
             </a:pPr>
             <a:r>
@@ -7252,10 +7185,11 @@
               <a:rPr lang="en-US" altLang="zh-CN" i="1" dirty="0" smtClean="0"/>
               <a:t>&lt;process ID&gt;</a:t>
             </a:r>
+            <a:endParaRPr lang="en-US" altLang="zh-CN" i="1" dirty="0" smtClean="0"/>
           </a:p>
           <a:p>
             <a:pPr lvl="1">
-              <a:buFont typeface="Corbel" pitchFamily="34" charset="0"/>
+              <a:buFont typeface="Corbel" panose="020B0503020204020204" pitchFamily="34" charset="0"/>
               <a:buChar char="–"/>
             </a:pPr>
             <a:r>
@@ -7264,84 +7198,63 @@
             </a:r>
             <a:r>
               <a:rPr lang="en-US" altLang="zh-CN" i="1" dirty="0" smtClean="0"/>
-              <a:t>&lt;output directory</a:t>
-            </a:r>
+              <a:t>&lt;output directory&gt;</a:t>
+            </a:r>
+            <a:endParaRPr lang="en-US" altLang="zh-CN" i="1" dirty="0" smtClean="0"/>
+          </a:p>
+          <a:p>
+            <a:pPr lvl="1">
+              <a:buFont typeface="Corbel" panose="020B0503020204020204" pitchFamily="34" charset="0"/>
+              <a:buChar char="–"/>
+            </a:pPr>
+            <a:endParaRPr lang="en-US" altLang="zh-CN" i="1" dirty="0" smtClean="0"/>
+          </a:p>
+          <a:p>
+            <a:pPr>
+              <a:buFont typeface="Wingdings" panose="05000000000000000000" pitchFamily="2" charset="2"/>
+              <a:buChar char="Ø"/>
+            </a:pPr>
             <a:r>
               <a:rPr lang="en-US" altLang="zh-CN" i="1" dirty="0" smtClean="0"/>
-              <a:t>&gt;</a:t>
-            </a:r>
+              <a:t>adplus.exe -hang -pn DeadLockTest.exe -o D:\dump</a:t>
+            </a:r>
+            <a:endParaRPr lang="en-US" altLang="zh-CN" i="1" dirty="0" smtClean="0"/>
+          </a:p>
+          <a:p>
+            <a:pPr>
+              <a:buFont typeface="Wingdings" panose="05000000000000000000" pitchFamily="2" charset="2"/>
+              <a:buChar char="Ø"/>
+            </a:pPr>
+            <a:endParaRPr lang="en-US" altLang="zh-CN" i="1" dirty="0" smtClean="0"/>
+          </a:p>
+          <a:p>
+            <a:pPr>
+              <a:buFont typeface="Wingdings" panose="05000000000000000000" pitchFamily="2" charset="2"/>
+              <a:buChar char="Ø"/>
+            </a:pPr>
+            <a:r>
+              <a:rPr lang="en-US" altLang="zh-CN" i="1" dirty="0" smtClean="0"/>
+              <a:t>adplus.exe -crash-pn CrashTest.exe -o D:\dump</a:t>
+            </a:r>
+            <a:endParaRPr lang="en-US" altLang="zh-CN" i="1" dirty="0" smtClean="0"/>
+          </a:p>
+          <a:p>
+            <a:pPr>
+              <a:buFont typeface="Wingdings" panose="05000000000000000000" pitchFamily="2" charset="2"/>
+              <a:buChar char="Ø"/>
+            </a:pPr>
+            <a:endParaRPr lang="en-US" altLang="zh-CN" i="1" dirty="0" smtClean="0"/>
+          </a:p>
+          <a:p>
+            <a:pPr>
+              <a:buFont typeface="Wingdings" panose="05000000000000000000" pitchFamily="2" charset="2"/>
+              <a:buChar char="Ø"/>
+            </a:pPr>
+            <a:endParaRPr lang="en-US" altLang="zh-CN" i="1" dirty="0" smtClean="0"/>
           </a:p>
           <a:p>
             <a:pPr lvl="1">
-              <a:buFont typeface="Corbel" pitchFamily="34" charset="0"/>
-              <a:buChar char="–"/>
-            </a:pPr>
-            <a:endParaRPr lang="en-US" altLang="zh-CN" i="1" dirty="0" smtClean="0"/>
-          </a:p>
-          <a:p>
-            <a:pPr>
-              <a:buFont typeface="Wingdings" pitchFamily="2" charset="2"/>
-              <a:buChar char="Ø"/>
-            </a:pPr>
-            <a:r>
-              <a:rPr lang="en-US" altLang="zh-CN" i="1" dirty="0" smtClean="0"/>
-              <a:t>adplus.exe -hang -pn </a:t>
-            </a:r>
-            <a:r>
-              <a:rPr lang="en-US" altLang="zh-CN" i="1" dirty="0" smtClean="0"/>
-              <a:t>DeadLockTest.exe </a:t>
-            </a:r>
-            <a:r>
-              <a:rPr lang="en-US" altLang="zh-CN" i="1" dirty="0" smtClean="0"/>
-              <a:t>-o D</a:t>
-            </a:r>
-            <a:r>
-              <a:rPr lang="en-US" altLang="zh-CN" i="1" dirty="0" smtClean="0"/>
-              <a:t>:\dump</a:t>
-            </a:r>
-          </a:p>
-          <a:p>
-            <a:pPr>
-              <a:buFont typeface="Wingdings" pitchFamily="2" charset="2"/>
-              <a:buChar char="Ø"/>
-            </a:pPr>
-            <a:endParaRPr lang="en-US" altLang="zh-CN" i="1" dirty="0" smtClean="0"/>
-          </a:p>
-          <a:p>
-            <a:pPr>
-              <a:buFont typeface="Wingdings" pitchFamily="2" charset="2"/>
-              <a:buChar char="Ø"/>
-            </a:pPr>
-            <a:r>
-              <a:rPr lang="en-US" altLang="zh-CN" i="1" dirty="0" smtClean="0"/>
-              <a:t>adplus.exe </a:t>
-            </a:r>
-            <a:r>
-              <a:rPr lang="en-US" altLang="zh-CN" i="1" dirty="0" smtClean="0"/>
-              <a:t>-</a:t>
-            </a:r>
-            <a:r>
-              <a:rPr lang="en-US" altLang="zh-CN" i="1" dirty="0" smtClean="0"/>
-              <a:t>crash-pn CrashTest.exe -o D:\dump</a:t>
-            </a:r>
-          </a:p>
-          <a:p>
-            <a:pPr>
-              <a:buFont typeface="Wingdings" pitchFamily="2" charset="2"/>
-              <a:buChar char="Ø"/>
-            </a:pPr>
-            <a:endParaRPr lang="en-US" altLang="zh-CN" i="1" dirty="0" smtClean="0"/>
-          </a:p>
-          <a:p>
-            <a:pPr>
-              <a:buFont typeface="Wingdings" pitchFamily="2" charset="2"/>
-              <a:buChar char="Ø"/>
-            </a:pPr>
-            <a:endParaRPr lang="en-US" altLang="zh-CN" i="1" dirty="0" smtClean="0"/>
-          </a:p>
-          <a:p>
-            <a:pPr lvl="1">
-              <a:buFont typeface="Corbel" pitchFamily="34" charset="0"/>
+              <a:buFont typeface="Corbel" panose="020B0503020204020204" pitchFamily="34" charset="0"/>
               <a:buChar char="–"/>
             </a:pPr>
             <a:endParaRPr lang="en-US" altLang="zh-CN" b="1" dirty="0" smtClean="0"/>
@@ -7424,6 +7337,11 @@
               </a:rPr>
               <a:t>Message</a:t>
             </a:r>
+            <a:endParaRPr lang="en-US" altLang="zh-CN" dirty="0" smtClean="0">
+              <a:solidFill>
+                <a:schemeClr val="tx1"/>
+              </a:solidFill>
+            </a:endParaRPr>
           </a:p>
           <a:p>
             <a:pPr algn="ctr"/>
@@ -7435,6 +7353,11 @@
               </a:rPr>
               <a:t>Queue</a:t>
             </a:r>
+            <a:endParaRPr lang="en-US" altLang="zh-CN" dirty="0" smtClean="0">
+              <a:solidFill>
+                <a:schemeClr val="tx1"/>
+              </a:solidFill>
+            </a:endParaRPr>
           </a:p>
         </p:txBody>
       </p:sp>
@@ -7814,6 +7737,11 @@
               </a:rPr>
               <a:t>Other threads</a:t>
             </a:r>
+            <a:endParaRPr lang="en-US" altLang="zh-CN" dirty="0" smtClean="0">
+              <a:solidFill>
+                <a:schemeClr val="tx1"/>
+              </a:solidFill>
+            </a:endParaRPr>
           </a:p>
           <a:p>
             <a:pPr algn="ctr"/>
@@ -7859,6 +7787,7 @@
               <a:rPr lang="en-US" altLang="zh-CN" dirty="0" smtClean="0"/>
               <a:t>PostMessage</a:t>
             </a:r>
+            <a:endParaRPr lang="en-US" altLang="zh-CN" dirty="0" smtClean="0"/>
           </a:p>
         </p:txBody>
       </p:sp>
@@ -7888,6 +7817,7 @@
               <a:rPr lang="en-US" altLang="zh-CN" dirty="0" smtClean="0"/>
               <a:t>PeekMessage</a:t>
             </a:r>
+            <a:endParaRPr lang="en-US" altLang="zh-CN" dirty="0" smtClean="0"/>
           </a:p>
         </p:txBody>
       </p:sp>
@@ -7917,6 +7847,7 @@
               <a:rPr lang="en-US" altLang="zh-CN" dirty="0" smtClean="0"/>
               <a:t>GetMessage</a:t>
             </a:r>
+            <a:endParaRPr lang="en-US" altLang="zh-CN" dirty="0" smtClean="0"/>
           </a:p>
         </p:txBody>
       </p:sp>
@@ -7976,48 +7907,56 @@
               <a:rPr lang="en-US" altLang="zh-CN" sz="1600" dirty="0" smtClean="0"/>
               <a:t>WinProc</a:t>
             </a:r>
+            <a:endParaRPr lang="en-US" altLang="zh-CN" sz="1600" dirty="0" smtClean="0"/>
           </a:p>
           <a:p>
             <a:r>
               <a:rPr lang="en-US" altLang="zh-CN" sz="1600" dirty="0" smtClean="0"/>
               <a:t>{</a:t>
             </a:r>
+            <a:endParaRPr lang="en-US" altLang="zh-CN" sz="1600" dirty="0" smtClean="0"/>
           </a:p>
           <a:p>
             <a:r>
               <a:rPr lang="en-US" altLang="zh-CN" sz="1600" dirty="0" smtClean="0"/>
               <a:t>        //MessageLoop:</a:t>
             </a:r>
+            <a:endParaRPr lang="en-US" altLang="zh-CN" sz="1600" dirty="0" smtClean="0"/>
           </a:p>
           <a:p>
             <a:r>
               <a:rPr lang="en-US" altLang="zh-CN" sz="1600" dirty="0" smtClean="0"/>
               <a:t>        While(GetMessage())</a:t>
             </a:r>
+            <a:endParaRPr lang="en-US" altLang="zh-CN" sz="1600" dirty="0" smtClean="0"/>
           </a:p>
           <a:p>
             <a:r>
               <a:rPr lang="en-US" altLang="zh-CN" sz="1600" dirty="0" smtClean="0"/>
               <a:t>        {</a:t>
             </a:r>
+            <a:endParaRPr lang="en-US" altLang="zh-CN" sz="1600" dirty="0" smtClean="0"/>
           </a:p>
           <a:p>
             <a:r>
               <a:rPr lang="en-US" altLang="zh-CN" sz="1600" dirty="0" smtClean="0"/>
               <a:t>	TranslateMessage();</a:t>
             </a:r>
+            <a:endParaRPr lang="en-US" altLang="zh-CN" sz="1600" dirty="0" smtClean="0"/>
           </a:p>
           <a:p>
             <a:r>
               <a:rPr lang="en-US" altLang="zh-CN" sz="1600" dirty="0" smtClean="0"/>
               <a:t>	DispatchMessage();</a:t>
             </a:r>
+            <a:endParaRPr lang="en-US" altLang="zh-CN" sz="1600" dirty="0" smtClean="0"/>
           </a:p>
           <a:p>
             <a:r>
               <a:rPr lang="en-US" altLang="zh-CN" sz="1600" dirty="0" smtClean="0"/>
               <a:t>        }</a:t>
             </a:r>
+            <a:endParaRPr lang="en-US" altLang="zh-CN" sz="1600" dirty="0" smtClean="0"/>
           </a:p>
           <a:p>
             <a:r>
@@ -8031,9 +7970,7 @@
       <p:sp>
         <p:nvSpPr>
           <p:cNvPr id="19" name="Title 1"/>
-          <p:cNvSpPr txBox="1">
-            <a:spLocks/>
-          </p:cNvSpPr>
+          <p:cNvSpPr txBox="1"/>
           <p:nvPr/>
         </p:nvSpPr>
         <p:spPr>
@@ -8065,7 +8002,6 @@
               <a:buSzTx/>
               <a:buFontTx/>
               <a:buNone/>
-              <a:tabLst/>
               <a:defRPr/>
             </a:pPr>
             <a:r>
@@ -8080,7 +8016,7 @@
                 <a:uLnTx/>
                 <a:uFillTx/>
                 <a:latin typeface="Rockwell"/>
-                <a:ea typeface="Verdana" pitchFamily="34" charset="0"/>
+                <a:ea typeface="Verdana" panose="020B0604030504040204" pitchFamily="34" charset="0"/>
                 <a:cs typeface="Rockwell"/>
               </a:rPr>
               <a:t>Case Study (hang)</a:t>
@@ -8096,7 +8032,7 @@
               <a:uLnTx/>
               <a:uFillTx/>
               <a:latin typeface="Rockwell"/>
-              <a:ea typeface="Verdana" pitchFamily="34" charset="0"/>
+              <a:ea typeface="Verdana" panose="020B0604030504040204" pitchFamily="34" charset="0"/>
               <a:cs typeface="Rockwell"/>
             </a:endParaRPr>
           </a:p>
@@ -8152,11 +8088,7 @@
             <a:pPr algn="ctr"/>
             <a:r>
               <a:rPr lang="en-NZ" altLang="zh-CN" dirty="0" smtClean="0"/>
-              <a:t>Case Study </a:t>
-            </a:r>
-            <a:r>
-              <a:rPr lang="en-NZ" altLang="zh-CN" dirty="0" smtClean="0"/>
-              <a:t>(hang)</a:t>
+              <a:t>Case Study (hang)</a:t>
             </a:r>
             <a:endParaRPr lang="en-NZ" dirty="0"/>
           </a:p>
@@ -8180,7 +8112,7 @@
           <a:lstStyle/>
           <a:p>
             <a:pPr>
-              <a:buFont typeface="Corbel" pitchFamily="34" charset="0"/>
+              <a:buFont typeface="Corbel" panose="020B0503020204020204" pitchFamily="34" charset="0"/>
               <a:buChar char="–"/>
             </a:pPr>
             <a:r>
@@ -8199,7 +8131,7 @@
           </a:p>
           <a:p>
             <a:pPr>
-              <a:buFont typeface="Corbel" pitchFamily="34" charset="0"/>
+              <a:buFont typeface="Corbel" panose="020B0503020204020204" pitchFamily="34" charset="0"/>
               <a:buChar char="–"/>
             </a:pPr>
             <a:r>
@@ -8226,10 +8158,11 @@
               <a:rPr lang="en-US" altLang="zh-CN" sz="2000" dirty="0" smtClean="0"/>
               <a:t> to check threads</a:t>
             </a:r>
+            <a:endParaRPr lang="en-US" altLang="zh-CN" sz="2000" dirty="0" smtClean="0"/>
           </a:p>
           <a:p>
             <a:pPr>
-              <a:buFont typeface="Corbel" pitchFamily="34" charset="0"/>
+              <a:buFont typeface="Corbel" panose="020B0503020204020204" pitchFamily="34" charset="0"/>
               <a:buChar char="–"/>
             </a:pPr>
             <a:r>
@@ -8250,28 +8183,17 @@
                   <a:srgbClr val="FF0000"/>
                 </a:solidFill>
               </a:rPr>
-              <a:t> </a:t>
-            </a:r>
-            <a:r>
-              <a:rPr lang="en-US" altLang="zh-CN" sz="2000" dirty="0" smtClean="0">
-                <a:solidFill>
-                  <a:srgbClr val="FF0000"/>
-                </a:solidFill>
-              </a:rPr>
-              <a:t>~*e </a:t>
-            </a:r>
-            <a:r>
-              <a:rPr lang="en-US" altLang="zh-CN" sz="2000" dirty="0" smtClean="0">
-                <a:solidFill>
-                  <a:srgbClr val="FF0000"/>
-                </a:solidFill>
-              </a:rPr>
-              <a:t>!clrstack</a:t>
-            </a:r>
+              <a:t> ~*e !clrstack</a:t>
+            </a:r>
+            <a:endParaRPr lang="en-US" altLang="zh-CN" sz="2000" dirty="0" smtClean="0">
+              <a:solidFill>
+                <a:srgbClr val="FF0000"/>
+              </a:solidFill>
+            </a:endParaRPr>
           </a:p>
           <a:p>
             <a:pPr>
-              <a:buFont typeface="Corbel" pitchFamily="34" charset="0"/>
+              <a:buFont typeface="Corbel" panose="020B0503020204020204" pitchFamily="34" charset="0"/>
               <a:buChar char="–"/>
             </a:pPr>
             <a:r>
@@ -8360,7 +8282,7 @@
           <a:lstStyle/>
           <a:p>
             <a:pPr>
-              <a:buFont typeface="Corbel" pitchFamily="34" charset="0"/>
+              <a:buFont typeface="Corbel" panose="020B0503020204020204" pitchFamily="34" charset="0"/>
               <a:buChar char="–"/>
             </a:pPr>
             <a:r>
@@ -8371,10 +8293,15 @@
               </a:rPr>
               <a:t>!Analyze –v</a:t>
             </a:r>
+            <a:endParaRPr lang="en-US" altLang="zh-CN" sz="2000" dirty="0" smtClean="0">
+              <a:solidFill>
+                <a:srgbClr val="FF0000"/>
+              </a:solidFill>
+            </a:endParaRPr>
           </a:p>
           <a:p>
             <a:pPr>
-              <a:buFont typeface="Corbel" pitchFamily="34" charset="0"/>
+              <a:buFont typeface="Corbel" panose="020B0503020204020204" pitchFamily="34" charset="0"/>
               <a:buChar char="–"/>
             </a:pPr>
             <a:r>
@@ -8401,10 +8328,11 @@
               <a:rPr lang="en-US" altLang="zh-CN" sz="2000" dirty="0" smtClean="0"/>
               <a:t> to check threads</a:t>
             </a:r>
+            <a:endParaRPr lang="en-US" altLang="zh-CN" sz="2000" dirty="0" smtClean="0"/>
           </a:p>
           <a:p>
             <a:pPr>
-              <a:buFont typeface="Corbel" pitchFamily="34" charset="0"/>
+              <a:buFont typeface="Corbel" panose="020B0503020204020204" pitchFamily="34" charset="0"/>
               <a:buChar char="–"/>
             </a:pPr>
             <a:r>
@@ -8431,10 +8359,11 @@
               <a:rPr lang="en-US" altLang="zh-CN" sz="2000" dirty="0" smtClean="0"/>
               <a:t>to check latest exception on current thread</a:t>
             </a:r>
+            <a:endParaRPr lang="en-US" altLang="zh-CN" sz="2000" dirty="0" smtClean="0"/>
           </a:p>
           <a:p>
             <a:pPr>
-              <a:buFont typeface="Corbel" pitchFamily="34" charset="0"/>
+              <a:buFont typeface="Corbel" panose="020B0503020204020204" pitchFamily="34" charset="0"/>
               <a:buChar char="–"/>
             </a:pPr>
             <a:r>
@@ -8455,23 +8384,7 @@
                   <a:srgbClr val="FF0000"/>
                 </a:solidFill>
               </a:rPr>
-              <a:t> </a:t>
-            </a:r>
-            <a:r>
-              <a:rPr lang="en-US" altLang="zh-CN" sz="2000" dirty="0" smtClean="0">
-                <a:solidFill>
-                  <a:srgbClr val="FF0000"/>
-                </a:solidFill>
-              </a:rPr>
-              <a:t>~*e </a:t>
-            </a:r>
-            <a:r>
-              <a:rPr lang="en-US" altLang="zh-CN" sz="2000" dirty="0" smtClean="0">
-                <a:solidFill>
-                  <a:srgbClr val="FF0000"/>
-                </a:solidFill>
-              </a:rPr>
-              <a:t>!clrstack</a:t>
+              <a:t> ~*e !clrstack</a:t>
             </a:r>
             <a:endParaRPr lang="en-US" altLang="zh-CN" sz="2000" dirty="0" smtClean="0"/>
           </a:p>
@@ -8527,11 +8440,7 @@
             <a:pPr algn="ctr"/>
             <a:r>
               <a:rPr lang="en-NZ" altLang="zh-CN" dirty="0" smtClean="0"/>
-              <a:t>Case </a:t>
-            </a:r>
-            <a:r>
-              <a:rPr lang="en-NZ" altLang="zh-CN" dirty="0" smtClean="0"/>
-              <a:t>Study</a:t>
+              <a:t>Case Study</a:t>
             </a:r>
             <a:endParaRPr lang="en-NZ" dirty="0"/>
           </a:p>
@@ -8555,17 +8464,18 @@
           <a:lstStyle/>
           <a:p>
             <a:pPr>
-              <a:buFont typeface="Wingdings" pitchFamily="2" charset="2"/>
+              <a:buFont typeface="Wingdings" panose="05000000000000000000" pitchFamily="2" charset="2"/>
               <a:buChar char="Ø"/>
             </a:pPr>
             <a:r>
               <a:rPr lang="en-US" altLang="zh-CN" dirty="0" smtClean="0"/>
               <a:t>Delegate</a:t>
             </a:r>
+            <a:endParaRPr lang="en-US" altLang="zh-CN" dirty="0" smtClean="0"/>
           </a:p>
           <a:p>
             <a:pPr>
-              <a:buFont typeface="Wingdings" pitchFamily="2" charset="2"/>
+              <a:buFont typeface="Wingdings" panose="05000000000000000000" pitchFamily="2" charset="2"/>
               <a:buChar char="Ø"/>
             </a:pPr>
             <a:r>
@@ -8576,17 +8486,18 @@
           </a:p>
           <a:p>
             <a:pPr>
-              <a:buFont typeface="Wingdings" pitchFamily="2" charset="2"/>
+              <a:buFont typeface="Wingdings" panose="05000000000000000000" pitchFamily="2" charset="2"/>
               <a:buChar char="Ø"/>
             </a:pPr>
             <a:r>
               <a:rPr lang="en-US" altLang="zh-CN" dirty="0" smtClean="0"/>
               <a:t>Control</a:t>
             </a:r>
+            <a:endParaRPr lang="en-US" altLang="zh-CN" dirty="0" smtClean="0"/>
           </a:p>
           <a:p>
             <a:pPr lvl="1">
-              <a:buFont typeface="Corbel" pitchFamily="34" charset="0"/>
+              <a:buFont typeface="Corbel" panose="020B0503020204020204" pitchFamily="34" charset="0"/>
               <a:buChar char="–"/>
             </a:pPr>
             <a:r>
@@ -8595,23 +8506,7 @@
                   <a:srgbClr val="FF0000"/>
                 </a:solidFill>
               </a:rPr>
-              <a:t>!bpmd </a:t>
-            </a:r>
-            <a:r>
-              <a:rPr lang="en-US" altLang="zh-CN" dirty="0" smtClean="0">
-                <a:solidFill>
-                  <a:srgbClr val="FF0000"/>
-                </a:solidFill>
-              </a:rPr>
-              <a:t>system.dll Microsoft.Win32. </a:t>
-            </a:r>
-            <a:r>
-              <a:rPr lang="en-US" altLang="zh-CN" dirty="0" smtClean="0">
-                <a:solidFill>
-                  <a:srgbClr val="FF0000"/>
-                </a:solidFill>
-              </a:rPr>
-              <a:t>SystemEvents.EnsureSystemEvents</a:t>
+              <a:t>!bpmd system.dll Microsoft.Win32. SystemEvents.EnsureSystemEvents</a:t>
             </a:r>
             <a:endParaRPr lang="en-US" altLang="zh-CN" dirty="0" smtClean="0">
               <a:solidFill>
@@ -8621,24 +8516,25 @@
           </a:p>
           <a:p>
             <a:pPr>
-              <a:buFont typeface="Wingdings" pitchFamily="2" charset="2"/>
+              <a:buFont typeface="Wingdings" panose="05000000000000000000" pitchFamily="2" charset="2"/>
               <a:buChar char="Ø"/>
             </a:pPr>
             <a:endParaRPr lang="en-US" altLang="zh-CN" dirty="0" smtClean="0"/>
           </a:p>
           <a:p>
             <a:pPr>
-              <a:buFont typeface="Wingdings" pitchFamily="2" charset="2"/>
+              <a:buFont typeface="Wingdings" panose="05000000000000000000" pitchFamily="2" charset="2"/>
               <a:buChar char="Ø"/>
             </a:pPr>
             <a:r>
               <a:rPr lang="en-US" altLang="zh-CN" dirty="0" smtClean="0"/>
               <a:t>!gcroot</a:t>
             </a:r>
+            <a:endParaRPr lang="en-US" altLang="zh-CN" dirty="0" smtClean="0"/>
           </a:p>
           <a:p>
             <a:pPr lvl="1">
-              <a:buFont typeface="Corbel" pitchFamily="34" charset="0"/>
+              <a:buFont typeface="Corbel" panose="020B0503020204020204" pitchFamily="34" charset="0"/>
               <a:buChar char="–"/>
             </a:pPr>
             <a:r>
@@ -8649,55 +8545,47 @@
           </a:p>
           <a:p>
             <a:pPr lvl="1">
-              <a:buFont typeface="Corbel" pitchFamily="34" charset="0"/>
+              <a:buFont typeface="Corbel" panose="020B0503020204020204" pitchFamily="34" charset="0"/>
               <a:buChar char="–"/>
             </a:pPr>
             <a:r>
               <a:rPr lang="en-US" altLang="zh-CN" dirty="0" smtClean="0"/>
               <a:t>From finalize queue</a:t>
             </a:r>
+            <a:endParaRPr lang="en-US" altLang="zh-CN" dirty="0" smtClean="0"/>
           </a:p>
           <a:p>
             <a:pPr lvl="1">
-              <a:buFont typeface="Corbel" pitchFamily="34" charset="0"/>
+              <a:buFont typeface="Corbel" panose="020B0503020204020204" pitchFamily="34" charset="0"/>
               <a:buChar char="–"/>
             </a:pPr>
             <a:r>
               <a:rPr lang="en-US" altLang="zh-CN" dirty="0" smtClean="0"/>
-              <a:t>From static field</a:t>
-            </a:r>
-            <a:r>
-              <a:rPr lang="en-US" altLang="zh-CN" dirty="0" smtClean="0"/>
-              <a:t> </a:t>
-            </a:r>
-            <a:r>
-              <a:rPr lang="en-US" altLang="zh-CN" dirty="0" smtClean="0"/>
-              <a:t>(GCHandle(strong, weak, pinned, ref counted))</a:t>
-            </a:r>
+              <a:t>From static field (GCHandle(strong, weak, pinned, ref counted))</a:t>
+            </a:r>
+            <a:endParaRPr lang="en-US" altLang="zh-CN" dirty="0" smtClean="0"/>
           </a:p>
           <a:p>
             <a:pPr>
-              <a:buFont typeface="Wingdings" pitchFamily="2" charset="2"/>
+              <a:buFont typeface="Wingdings" panose="05000000000000000000" pitchFamily="2" charset="2"/>
               <a:buChar char="Ø"/>
             </a:pPr>
             <a:r>
               <a:rPr lang="en-US" altLang="zh-CN" dirty="0" smtClean="0"/>
               <a:t>!EEHeap</a:t>
             </a:r>
+            <a:endParaRPr lang="en-US" altLang="zh-CN" dirty="0" smtClean="0"/>
           </a:p>
           <a:p>
             <a:pPr>
-              <a:buFont typeface="Wingdings" pitchFamily="2" charset="2"/>
+              <a:buFont typeface="Wingdings" panose="05000000000000000000" pitchFamily="2" charset="2"/>
               <a:buChar char="Ø"/>
             </a:pPr>
             <a:r>
               <a:rPr lang="en-US" altLang="zh-CN" dirty="0" smtClean="0"/>
-              <a:t>! </a:t>
-            </a:r>
-            <a:r>
-              <a:rPr lang="en-US" altLang="zh-CN" dirty="0" smtClean="0"/>
-              <a:t>Finalizequeue</a:t>
-            </a:r>
+              <a:t>! Finalizequeue</a:t>
+            </a:r>
+            <a:endParaRPr lang="en-US" altLang="zh-CN" dirty="0" smtClean="0"/>
           </a:p>
         </p:txBody>
       </p:sp>
@@ -8751,11 +8639,7 @@
             <a:pPr algn="ctr"/>
             <a:r>
               <a:rPr lang="en-US" altLang="zh-CN" dirty="0" smtClean="0"/>
-              <a:t>Good code </a:t>
-            </a:r>
-            <a:r>
-              <a:rPr lang="en-US" altLang="zh-CN" dirty="0" smtClean="0"/>
-              <a:t>practice(Crash)</a:t>
+              <a:t>Good code practice(Crash)</a:t>
             </a:r>
             <a:endParaRPr lang="en-US" altLang="zh-CN" dirty="0" smtClean="0"/>
           </a:p>
@@ -8779,59 +8663,51 @@
           <a:lstStyle/>
           <a:p>
             <a:pPr>
-              <a:buFont typeface="Corbel" pitchFamily="34" charset="0"/>
+              <a:buFont typeface="Corbel" panose="020B0503020204020204" pitchFamily="34" charset="0"/>
               <a:buChar char="–"/>
             </a:pPr>
             <a:r>
               <a:rPr lang="en-US" altLang="zh-CN" dirty="0" smtClean="0"/>
               <a:t>Catch exception in background thread</a:t>
             </a:r>
+            <a:endParaRPr lang="en-US" altLang="zh-CN" dirty="0" smtClean="0"/>
           </a:p>
           <a:p>
             <a:pPr>
-              <a:buFont typeface="Corbel" pitchFamily="34" charset="0"/>
+              <a:buFont typeface="Corbel" panose="020B0503020204020204" pitchFamily="34" charset="0"/>
               <a:buChar char="–"/>
             </a:pPr>
             <a:r>
               <a:rPr lang="en-US" altLang="zh-CN" dirty="0" smtClean="0"/>
               <a:t>Catch exceeption in the method which is passed as callback/delagate to the .net or thirdparty system</a:t>
             </a:r>
+            <a:endParaRPr lang="en-US" altLang="zh-CN" dirty="0" smtClean="0"/>
           </a:p>
           <a:p>
             <a:pPr>
-              <a:buFont typeface="Corbel" pitchFamily="34" charset="0"/>
+              <a:buFont typeface="Corbel" panose="020B0503020204020204" pitchFamily="34" charset="0"/>
               <a:buChar char="–"/>
             </a:pPr>
             <a:r>
               <a:rPr lang="en-US" altLang="zh-CN" dirty="0" smtClean="0"/>
-              <a:t>Avoid </a:t>
-            </a:r>
-            <a:r>
-              <a:rPr lang="en-US" altLang="zh-CN" dirty="0" smtClean="0"/>
-              <a:t>the endless </a:t>
-            </a:r>
-            <a:r>
-              <a:rPr lang="en-US" altLang="zh-CN" dirty="0" smtClean="0"/>
-              <a:t>recursive </a:t>
-            </a:r>
-            <a:r>
-              <a:rPr lang="en-US" altLang="zh-CN" dirty="0" smtClean="0"/>
-              <a:t>invocation (StackOverflow exception)</a:t>
-            </a:r>
+              <a:t>Avoid the endless recursive invocation (StackOverflow exception)</a:t>
+            </a:r>
+            <a:endParaRPr lang="en-US" altLang="zh-CN" dirty="0" smtClean="0"/>
           </a:p>
           <a:p>
             <a:pPr>
-              <a:buFont typeface="Corbel" pitchFamily="34" charset="0"/>
+              <a:buFont typeface="Corbel" panose="020B0503020204020204" pitchFamily="34" charset="0"/>
               <a:buChar char="–"/>
             </a:pPr>
             <a:r>
               <a:rPr lang="en-US" altLang="zh-CN" dirty="0" smtClean="0"/>
               <a:t>Avoid starting too many threads at same time.</a:t>
             </a:r>
+            <a:endParaRPr lang="en-US" altLang="zh-CN" dirty="0" smtClean="0"/>
           </a:p>
           <a:p>
             <a:pPr>
-              <a:buFont typeface="Corbel" pitchFamily="34" charset="0"/>
+              <a:buFont typeface="Corbel" panose="020B0503020204020204" pitchFamily="34" charset="0"/>
               <a:buChar char="–"/>
             </a:pPr>
             <a:endParaRPr lang="en-US" altLang="zh-CN" dirty="0" smtClean="0"/>
@@ -8888,11 +8764,7 @@
             <a:pPr algn="ctr"/>
             <a:r>
               <a:rPr lang="en-US" altLang="zh-CN" dirty="0" smtClean="0"/>
-              <a:t>Good code </a:t>
-            </a:r>
-            <a:r>
-              <a:rPr lang="en-US" altLang="zh-CN" dirty="0" smtClean="0"/>
-              <a:t>practice(hang)</a:t>
+              <a:t>Good code practice(hang)</a:t>
             </a:r>
             <a:endParaRPr lang="en-US" altLang="zh-CN" dirty="0" smtClean="0"/>
           </a:p>
@@ -8916,163 +8788,139 @@
           <a:lstStyle/>
           <a:p>
             <a:pPr>
-              <a:buFont typeface="Corbel" pitchFamily="34" charset="0"/>
+              <a:buFont typeface="Corbel" panose="020B0503020204020204" pitchFamily="34" charset="0"/>
               <a:buChar char="–"/>
             </a:pPr>
             <a:r>
               <a:rPr lang="en-US" altLang="zh-CN" dirty="0" smtClean="0"/>
-              <a:t>Use m</a:t>
-            </a:r>
-            <a:r>
-              <a:rPr lang="en-US" altLang="zh-CN" dirty="0" smtClean="0"/>
-              <a:t>ulti-thread and asynchronous program</a:t>
-            </a:r>
+              <a:t>Use multi-thread and asynchronous program</a:t>
+            </a:r>
+            <a:endParaRPr lang="en-US" altLang="zh-CN" dirty="0" smtClean="0"/>
           </a:p>
           <a:p>
             <a:pPr>
-              <a:buFont typeface="Corbel" pitchFamily="34" charset="0"/>
+              <a:buFont typeface="Corbel" panose="020B0503020204020204" pitchFamily="34" charset="0"/>
               <a:buChar char="–"/>
             </a:pPr>
             <a:r>
               <a:rPr lang="en-US" altLang="zh-CN" dirty="0" smtClean="0"/>
-              <a:t>Avoid endless waiting when t</a:t>
-            </a:r>
-            <a:r>
-              <a:rPr lang="en-US" altLang="zh-CN" dirty="0" smtClean="0"/>
-              <a:t>hread</a:t>
-            </a:r>
-            <a:r>
-              <a:rPr lang="en-US" altLang="zh-CN" dirty="0" smtClean="0"/>
-              <a:t> </a:t>
-            </a:r>
-            <a:r>
-              <a:rPr lang="en-US" altLang="zh-CN" dirty="0" smtClean="0"/>
-              <a:t>synchronization(Join, Wait, WaitOne, WaitAll).</a:t>
-            </a:r>
+              <a:t>Avoid endless waiting when thread synchronization(Join, Wait, WaitOne, WaitAll).</a:t>
+            </a:r>
+            <a:endParaRPr lang="en-US" altLang="zh-CN" dirty="0" smtClean="0"/>
           </a:p>
           <a:p>
             <a:pPr>
-              <a:buFont typeface="Corbel" pitchFamily="34" charset="0"/>
+              <a:buFont typeface="Corbel" panose="020B0503020204020204" pitchFamily="34" charset="0"/>
               <a:buChar char="–"/>
             </a:pPr>
             <a:r>
               <a:rPr lang="en-US" altLang="zh-CN" dirty="0" smtClean="0"/>
               <a:t>Avoid the deadloop… (GenericData.MoveNext), A good UT can avoid this.</a:t>
             </a:r>
+            <a:endParaRPr lang="en-US" altLang="zh-CN" dirty="0" smtClean="0"/>
           </a:p>
           <a:p>
             <a:pPr>
-              <a:buFont typeface="Corbel" pitchFamily="34" charset="0"/>
+              <a:buFont typeface="Corbel" panose="020B0503020204020204" pitchFamily="34" charset="0"/>
               <a:buChar char="–"/>
             </a:pPr>
             <a:r>
               <a:rPr lang="en-US" altLang="zh-CN" dirty="0" smtClean="0"/>
               <a:t>Avoid message loop in UI thread.</a:t>
             </a:r>
+            <a:endParaRPr lang="en-US" altLang="zh-CN" dirty="0" smtClean="0"/>
           </a:p>
           <a:p>
             <a:pPr>
-              <a:buFont typeface="Corbel" pitchFamily="34" charset="0"/>
+              <a:buFont typeface="Corbel" panose="020B0503020204020204" pitchFamily="34" charset="0"/>
               <a:buChar char="–"/>
             </a:pPr>
             <a:r>
               <a:rPr lang="en-US" altLang="zh-CN" dirty="0" smtClean="0"/>
               <a:t>Usually, Control.BeginInvoke is better than Control.Invoke</a:t>
             </a:r>
+            <a:endParaRPr lang="en-US" altLang="zh-CN" dirty="0" smtClean="0"/>
           </a:p>
           <a:p>
             <a:pPr>
-              <a:buFont typeface="Corbel" pitchFamily="34" charset="0"/>
+              <a:buFont typeface="Corbel" panose="020B0503020204020204" pitchFamily="34" charset="0"/>
               <a:buChar char="–"/>
             </a:pPr>
             <a:r>
               <a:rPr lang="en-US" altLang="zh-CN" dirty="0" smtClean="0"/>
-              <a:t>When access multiple </a:t>
-            </a:r>
-            <a:r>
-              <a:rPr lang="en-US" altLang="zh-CN" dirty="0" smtClean="0"/>
-              <a:t>exclusive resources, always keep the same order.</a:t>
-            </a:r>
+              <a:t>When access multiple exclusive resources, always keep the same order.</a:t>
+            </a:r>
+            <a:endParaRPr lang="en-US" altLang="zh-CN" dirty="0" smtClean="0"/>
           </a:p>
           <a:p>
             <a:pPr>
-              <a:buFont typeface="Corbel" pitchFamily="34" charset="0"/>
+              <a:buFont typeface="Corbel" panose="020B0503020204020204" pitchFamily="34" charset="0"/>
               <a:buChar char="–"/>
             </a:pPr>
             <a:r>
               <a:rPr lang="en-US" altLang="zh-CN" dirty="0" smtClean="0"/>
-              <a:t>Reduce lock </a:t>
-            </a:r>
-            <a:r>
-              <a:rPr lang="en-US" altLang="zh-CN" dirty="0" smtClean="0"/>
-              <a:t>granularity. </a:t>
-            </a:r>
+              <a:t>Reduce lock granularity. </a:t>
+            </a:r>
+            <a:endParaRPr lang="en-US" altLang="zh-CN" dirty="0" smtClean="0"/>
           </a:p>
           <a:p>
             <a:pPr lvl="1">
-              <a:buFont typeface="Wingdings" pitchFamily="2" charset="2"/>
+              <a:buFont typeface="Wingdings" panose="05000000000000000000" pitchFamily="2" charset="2"/>
               <a:buChar char="ü"/>
             </a:pPr>
             <a:r>
               <a:rPr lang="en-US" altLang="zh-CN" dirty="0" smtClean="0"/>
-              <a:t>lock(a new object</a:t>
-            </a:r>
-            <a:r>
-              <a:rPr lang="en-US" altLang="zh-CN" dirty="0" smtClean="0"/>
-              <a:t>)</a:t>
-            </a:r>
-            <a:r>
-              <a:rPr lang="en-US" altLang="zh-CN" dirty="0" smtClean="0"/>
-              <a:t> is better than lock(this); lock(a new static object) is better than lock(typeof(this)</a:t>
-            </a:r>
+              <a:t>lock(a new object) is better than lock(this); lock(a new static object) is better than lock(typeof(this)</a:t>
+            </a:r>
+            <a:endParaRPr lang="en-US" altLang="zh-CN" dirty="0" smtClean="0"/>
           </a:p>
           <a:p>
             <a:pPr lvl="1">
-              <a:buFont typeface="Wingdings" pitchFamily="2" charset="2"/>
+              <a:buFont typeface="Wingdings" panose="05000000000000000000" pitchFamily="2" charset="2"/>
               <a:buChar char="ü"/>
             </a:pPr>
             <a:r>
               <a:rPr lang="en-US" altLang="zh-CN" dirty="0" smtClean="0"/>
-              <a:t>In some case, ReadWriteLock is better than lock</a:t>
-            </a:r>
-            <a:r>
-              <a:rPr lang="en-US" altLang="zh-CN" dirty="0" smtClean="0"/>
-              <a:t>.</a:t>
-            </a:r>
+              <a:t>In some case, ReadWriteLock is better than lock.</a:t>
+            </a:r>
+            <a:endParaRPr lang="en-US" altLang="zh-CN" dirty="0" smtClean="0"/>
           </a:p>
           <a:p>
             <a:pPr>
-              <a:buFont typeface="Corbel" pitchFamily="34" charset="0"/>
+              <a:buFont typeface="Corbel" panose="020B0503020204020204" pitchFamily="34" charset="0"/>
               <a:buChar char="–"/>
             </a:pPr>
             <a:r>
               <a:rPr lang="en-US" altLang="zh-CN" dirty="0" smtClean="0"/>
               <a:t>Concurrent(dictionary, queue, stack, bag) is better than Lock+(dictionary, queue, stack, list)</a:t>
             </a:r>
+            <a:endParaRPr lang="en-US" altLang="zh-CN" dirty="0" smtClean="0"/>
           </a:p>
           <a:p>
             <a:pPr>
-              <a:buFont typeface="Corbel" pitchFamily="34" charset="0"/>
+              <a:buFont typeface="Corbel" panose="020B0503020204020204" pitchFamily="34" charset="0"/>
               <a:buChar char="–"/>
             </a:pPr>
             <a:r>
               <a:rPr lang="en-US" altLang="zh-CN" dirty="0" smtClean="0"/>
               <a:t>sacrifice space</a:t>
             </a:r>
+            <a:endParaRPr lang="en-US" altLang="zh-CN" dirty="0" smtClean="0"/>
           </a:p>
           <a:p>
             <a:pPr lvl="1">
-              <a:buFont typeface="Wingdings" pitchFamily="2" charset="2"/>
+              <a:buFont typeface="Wingdings" panose="05000000000000000000" pitchFamily="2" charset="2"/>
               <a:buChar char="ü"/>
             </a:pPr>
             <a:r>
               <a:rPr lang="en-US" altLang="zh-CN" dirty="0" smtClean="0"/>
               <a:t>Cache</a:t>
             </a:r>
+            <a:endParaRPr lang="en-US" altLang="zh-CN" dirty="0" smtClean="0"/>
           </a:p>
           <a:p>
             <a:pPr lvl="1">
-              <a:buFont typeface="Wingdings" pitchFamily="2" charset="2"/>
+              <a:buFont typeface="Wingdings" panose="05000000000000000000" pitchFamily="2" charset="2"/>
               <a:buChar char="ü"/>
             </a:pPr>
             <a:r>
@@ -9083,28 +8931,28 @@
           </a:p>
           <a:p>
             <a:pPr lvl="1">
-              <a:buFont typeface="Wingdings" pitchFamily="2" charset="2"/>
+              <a:buFont typeface="Wingdings" panose="05000000000000000000" pitchFamily="2" charset="2"/>
               <a:buChar char="ü"/>
             </a:pPr>
             <a:endParaRPr lang="en-US" altLang="zh-CN" dirty="0" smtClean="0"/>
           </a:p>
           <a:p>
             <a:pPr lvl="1">
-              <a:buFont typeface="Wingdings" pitchFamily="2" charset="2"/>
+              <a:buFont typeface="Wingdings" panose="05000000000000000000" pitchFamily="2" charset="2"/>
               <a:buChar char="ü"/>
             </a:pPr>
             <a:endParaRPr lang="en-US" altLang="zh-CN" dirty="0" smtClean="0"/>
           </a:p>
           <a:p>
             <a:pPr lvl="1">
-              <a:buFont typeface="Wingdings" pitchFamily="2" charset="2"/>
+              <a:buFont typeface="Wingdings" panose="05000000000000000000" pitchFamily="2" charset="2"/>
               <a:buChar char="ü"/>
             </a:pPr>
             <a:endParaRPr lang="en-US" altLang="zh-CN" dirty="0" smtClean="0"/>
           </a:p>
           <a:p>
             <a:pPr>
-              <a:buFont typeface="Corbel" pitchFamily="34" charset="0"/>
+              <a:buFont typeface="Corbel" panose="020B0503020204020204" pitchFamily="34" charset="0"/>
               <a:buChar char="–"/>
             </a:pPr>
             <a:endParaRPr lang="en-US" altLang="zh-CN" dirty="0" smtClean="0"/>
@@ -9161,11 +9009,7 @@
             <a:pPr algn="ctr"/>
             <a:r>
               <a:rPr lang="en-US" altLang="zh-CN" dirty="0" smtClean="0"/>
-              <a:t>Good code </a:t>
-            </a:r>
-            <a:r>
-              <a:rPr lang="en-US" altLang="zh-CN" dirty="0" smtClean="0"/>
-              <a:t>practice(memory)</a:t>
+              <a:t>Good code practice(memory)</a:t>
             </a:r>
             <a:endParaRPr lang="en-US" altLang="zh-CN" dirty="0" smtClean="0"/>
           </a:p>
@@ -9189,85 +9033,62 @@
           <a:lstStyle/>
           <a:p>
             <a:pPr>
-              <a:buFont typeface="Corbel" pitchFamily="34" charset="0"/>
+              <a:buFont typeface="Corbel" panose="020B0503020204020204" pitchFamily="34" charset="0"/>
               <a:buChar char="–"/>
             </a:pPr>
             <a:r>
               <a:rPr lang="en-US" altLang="zh-CN" dirty="0" smtClean="0"/>
               <a:t>When create or use a class, should clearly know the lifecycle of the instance.</a:t>
             </a:r>
+            <a:endParaRPr lang="en-US" altLang="zh-CN" dirty="0" smtClean="0"/>
           </a:p>
           <a:p>
             <a:pPr>
-              <a:buFont typeface="Corbel" pitchFamily="34" charset="0"/>
+              <a:buFont typeface="Corbel" panose="020B0503020204020204" pitchFamily="34" charset="0"/>
               <a:buChar char="–"/>
             </a:pPr>
             <a:r>
               <a:rPr lang="en-US" altLang="zh-CN" dirty="0" smtClean="0"/>
-              <a:t>Whan use a d</a:t>
-            </a:r>
-            <a:r>
-              <a:rPr lang="en-US" altLang="zh-CN" dirty="0" smtClean="0"/>
-              <a:t>isposable object, make sure to call the dispose method.</a:t>
-            </a:r>
+              <a:t>Whan use a disposable object, make sure to call the dispose method.</a:t>
+            </a:r>
+            <a:endParaRPr lang="en-US" altLang="zh-CN" dirty="0" smtClean="0"/>
           </a:p>
           <a:p>
             <a:pPr>
-              <a:buFont typeface="Corbel" pitchFamily="34" charset="0"/>
+              <a:buFont typeface="Corbel" panose="020B0503020204020204" pitchFamily="34" charset="0"/>
               <a:buChar char="–"/>
             </a:pPr>
             <a:r>
               <a:rPr lang="en-US" altLang="zh-CN" dirty="0" smtClean="0"/>
-              <a:t>When write a class </a:t>
-            </a:r>
-            <a:r>
-              <a:rPr lang="en-US" altLang="zh-CN" dirty="0" smtClean="0"/>
-              <a:t>contains un-managed </a:t>
-            </a:r>
-            <a:r>
-              <a:rPr lang="en-US" altLang="zh-CN" dirty="0" smtClean="0"/>
-              <a:t>resource </a:t>
-            </a:r>
-            <a:r>
-              <a:rPr lang="en-US" altLang="zh-CN" dirty="0" smtClean="0"/>
-              <a:t>or disposable object, </a:t>
-            </a:r>
-            <a:r>
-              <a:rPr lang="en-US" altLang="zh-CN" dirty="0" smtClean="0"/>
-              <a:t>implement the idisposable </a:t>
-            </a:r>
-            <a:r>
-              <a:rPr lang="en-US" altLang="zh-CN" dirty="0" smtClean="0"/>
-              <a:t>pattern.</a:t>
-            </a:r>
+              <a:t>When write a class contains un-managed resource or disposable object, implement the idisposable pattern.</a:t>
+            </a:r>
+            <a:endParaRPr lang="en-US" altLang="zh-CN" dirty="0" smtClean="0"/>
           </a:p>
           <a:p>
             <a:pPr>
-              <a:buFont typeface="Corbel" pitchFamily="34" charset="0"/>
+              <a:buFont typeface="Corbel" panose="020B0503020204020204" pitchFamily="34" charset="0"/>
               <a:buChar char="–"/>
             </a:pPr>
             <a:r>
               <a:rPr lang="en-US" altLang="zh-CN" dirty="0" smtClean="0"/>
-              <a:t>Avoid blocking in d</a:t>
-            </a:r>
-            <a:r>
-              <a:rPr lang="en-US" altLang="zh-CN" dirty="0" smtClean="0"/>
-              <a:t>estructor method.</a:t>
-            </a:r>
+              <a:t>Avoid blocking in destructor method.</a:t>
+            </a:r>
+            <a:endParaRPr lang="en-US" altLang="zh-CN" dirty="0" smtClean="0"/>
           </a:p>
           <a:p>
             <a:pPr>
-              <a:buFont typeface="Corbel" pitchFamily="34" charset="0"/>
+              <a:buFont typeface="Corbel" panose="020B0503020204020204" pitchFamily="34" charset="0"/>
               <a:buChar char="–"/>
             </a:pPr>
             <a:r>
               <a:rPr lang="en-US" altLang="zh-CN" dirty="0" smtClean="0"/>
               <a:t>Who register who unregister.</a:t>
             </a:r>
+            <a:endParaRPr lang="en-US" altLang="zh-CN" dirty="0" smtClean="0"/>
           </a:p>
           <a:p>
             <a:pPr>
-              <a:buFont typeface="Corbel" pitchFamily="34" charset="0"/>
+              <a:buFont typeface="Corbel" panose="020B0503020204020204" pitchFamily="34" charset="0"/>
               <a:buChar char="–"/>
             </a:pPr>
             <a:r>
@@ -9276,7 +9097,7 @@
             </a:r>
             <a:r>
               <a:rPr lang="en-US" altLang="zh-CN" dirty="0" smtClean="0">
-                <a:sym typeface="Wingdings" pitchFamily="2" charset="2"/>
+                <a:sym typeface="Wingdings" panose="05000000000000000000" pitchFamily="2" charset="2"/>
               </a:rPr>
               <a:t></a:t>
             </a:r>
@@ -9284,14 +9105,14 @@
           </a:p>
           <a:p>
             <a:pPr>
-              <a:buFont typeface="Corbel" pitchFamily="34" charset="0"/>
+              <a:buFont typeface="Corbel" panose="020B0503020204020204" pitchFamily="34" charset="0"/>
               <a:buChar char="–"/>
             </a:pPr>
             <a:endParaRPr lang="en-US" altLang="zh-CN" dirty="0" smtClean="0"/>
           </a:p>
           <a:p>
             <a:pPr>
-              <a:buFont typeface="Corbel" pitchFamily="34" charset="0"/>
+              <a:buFont typeface="Corbel" panose="020B0503020204020204" pitchFamily="34" charset="0"/>
               <a:buChar char="–"/>
             </a:pPr>
             <a:endParaRPr lang="en-US" altLang="zh-CN" dirty="0" smtClean="0"/>
@@ -9372,64 +9193,68 @@
           <a:lstStyle/>
           <a:p>
             <a:pPr>
-              <a:buFont typeface="Wingdings" pitchFamily="2" charset="2"/>
+              <a:buFont typeface="Wingdings" panose="05000000000000000000" pitchFamily="2" charset="2"/>
               <a:buChar char="Ø"/>
             </a:pPr>
             <a:r>
               <a:rPr lang="en-US" altLang="zh-CN" sz="2000" dirty="0" smtClean="0"/>
               <a:t>Breif Introduction</a:t>
             </a:r>
+            <a:endParaRPr lang="en-US" altLang="zh-CN" sz="2000" dirty="0" smtClean="0"/>
           </a:p>
           <a:p>
             <a:pPr>
-              <a:buFont typeface="Wingdings" pitchFamily="2" charset="2"/>
+              <a:buFont typeface="Wingdings" panose="05000000000000000000" pitchFamily="2" charset="2"/>
               <a:buChar char="Ø"/>
             </a:pPr>
             <a:endParaRPr lang="en-US" altLang="zh-CN" sz="2000" dirty="0" smtClean="0"/>
           </a:p>
           <a:p>
             <a:pPr>
-              <a:buFont typeface="Wingdings" pitchFamily="2" charset="2"/>
+              <a:buFont typeface="Wingdings" panose="05000000000000000000" pitchFamily="2" charset="2"/>
               <a:buChar char="Ø"/>
             </a:pPr>
             <a:r>
               <a:rPr lang="en-US" altLang="zh-CN" sz="2000" dirty="0" smtClean="0"/>
               <a:t>Commands</a:t>
             </a:r>
+            <a:endParaRPr lang="en-US" altLang="zh-CN" sz="2000" dirty="0" smtClean="0"/>
           </a:p>
           <a:p>
             <a:pPr>
-              <a:buFont typeface="Wingdings" pitchFamily="2" charset="2"/>
+              <a:buFont typeface="Wingdings" panose="05000000000000000000" pitchFamily="2" charset="2"/>
               <a:buChar char="Ø"/>
             </a:pPr>
             <a:endParaRPr lang="en-US" altLang="zh-CN" sz="2000" dirty="0" smtClean="0"/>
           </a:p>
           <a:p>
             <a:pPr>
-              <a:buFont typeface="Wingdings" pitchFamily="2" charset="2"/>
+              <a:buFont typeface="Wingdings" panose="05000000000000000000" pitchFamily="2" charset="2"/>
               <a:buChar char="Ø"/>
             </a:pPr>
             <a:r>
               <a:rPr lang="en-US" altLang="zh-CN" sz="2000" dirty="0" smtClean="0"/>
               <a:t>Case study</a:t>
             </a:r>
+            <a:endParaRPr lang="en-US" altLang="zh-CN" sz="2000" dirty="0" smtClean="0"/>
           </a:p>
           <a:p>
             <a:pPr>
-              <a:buFont typeface="Wingdings" pitchFamily="2" charset="2"/>
+              <a:buFont typeface="Wingdings" panose="05000000000000000000" pitchFamily="2" charset="2"/>
               <a:buChar char="Ø"/>
             </a:pPr>
             <a:endParaRPr lang="en-US" altLang="zh-CN" sz="2000" dirty="0" smtClean="0"/>
           </a:p>
           <a:p>
             <a:pPr>
-              <a:buFont typeface="Wingdings" pitchFamily="2" charset="2"/>
+              <a:buFont typeface="Wingdings" panose="05000000000000000000" pitchFamily="2" charset="2"/>
               <a:buChar char="Ø"/>
             </a:pPr>
             <a:r>
               <a:rPr lang="en-US" altLang="zh-CN" sz="2000" dirty="0" smtClean="0"/>
               <a:t>Good code practice</a:t>
             </a:r>
+            <a:endParaRPr lang="en-US" altLang="zh-CN" sz="2000" dirty="0" smtClean="0"/>
           </a:p>
         </p:txBody>
       </p:sp>
@@ -9581,13 +9406,14 @@
           <a:lstStyle/>
           <a:p>
             <a:pPr>
-              <a:buFont typeface="Wingdings" pitchFamily="2" charset="2"/>
+              <a:buFont typeface="Wingdings" panose="05000000000000000000" pitchFamily="2" charset="2"/>
               <a:buChar char="Ø"/>
             </a:pPr>
             <a:r>
               <a:rPr lang="en-US" altLang="zh-CN" sz="2000" dirty="0" smtClean="0"/>
               <a:t>Debugging Tools for Windows</a:t>
             </a:r>
+            <a:endParaRPr lang="en-US" altLang="zh-CN" sz="2000" dirty="0" smtClean="0"/>
           </a:p>
           <a:p>
             <a:pPr lvl="1"/>
@@ -9595,6 +9421,7 @@
               <a:rPr lang="en-US" altLang="zh-CN" dirty="0" smtClean="0"/>
               <a:t>Windbg(Microsoft Windows Debugger): support both user-mode and kernel-mode debugging</a:t>
             </a:r>
+            <a:endParaRPr lang="en-US" altLang="zh-CN" dirty="0" smtClean="0"/>
           </a:p>
           <a:p>
             <a:pPr lvl="1"/>
@@ -9602,6 +9429,7 @@
               <a:rPr lang="en-US" altLang="zh-CN" dirty="0" smtClean="0"/>
               <a:t>CDB(Microsoft Console Debugger): support user-mode debugging</a:t>
             </a:r>
+            <a:endParaRPr lang="en-US" altLang="zh-CN" dirty="0" smtClean="0"/>
           </a:p>
           <a:p>
             <a:pPr lvl="1"/>
@@ -9609,6 +9437,7 @@
               <a:rPr lang="en-US" altLang="zh-CN" dirty="0" smtClean="0"/>
               <a:t>KD(Microsoft Kernel Debugger): support kernel-mode debugging</a:t>
             </a:r>
+            <a:endParaRPr lang="en-US" altLang="zh-CN" dirty="0" smtClean="0"/>
           </a:p>
           <a:p>
             <a:pPr lvl="1"/>
@@ -9616,6 +9445,7 @@
               <a:rPr lang="en-US" altLang="zh-CN" dirty="0" smtClean="0"/>
               <a:t>NTSD(Microsoft NT Symbolic Debugger): a variation of the CDB </a:t>
             </a:r>
+            <a:endParaRPr lang="en-US" altLang="zh-CN" dirty="0" smtClean="0"/>
           </a:p>
           <a:p>
             <a:pPr lvl="1"/>
@@ -9627,13 +9457,14 @@
           </a:p>
           <a:p>
             <a:pPr>
-              <a:buFont typeface="Wingdings" pitchFamily="2" charset="2"/>
+              <a:buFont typeface="Wingdings" panose="05000000000000000000" pitchFamily="2" charset="2"/>
               <a:buChar char="Ø"/>
             </a:pPr>
             <a:r>
               <a:rPr lang="en-US" altLang="zh-CN" sz="2000" dirty="0" smtClean="0"/>
               <a:t>Lightweight and powerfull</a:t>
             </a:r>
+            <a:endParaRPr lang="en-US" altLang="zh-CN" sz="2000" dirty="0" smtClean="0"/>
           </a:p>
           <a:p>
             <a:pPr lvl="1"/>
@@ -9641,6 +9472,7 @@
               <a:rPr lang="en-US" altLang="zh-CN" dirty="0" smtClean="0"/>
               <a:t>Live debugging and postmortem debugging.</a:t>
             </a:r>
+            <a:endParaRPr lang="en-US" altLang="zh-CN" dirty="0" smtClean="0"/>
           </a:p>
           <a:p>
             <a:pPr lvl="1"/>
@@ -9648,6 +9480,7 @@
               <a:rPr lang="en-US" altLang="zh-CN" dirty="0" smtClean="0"/>
               <a:t>Source code debugging.</a:t>
             </a:r>
+            <a:endParaRPr lang="en-US" altLang="zh-CN" dirty="0" smtClean="0"/>
           </a:p>
           <a:p>
             <a:pPr lvl="1"/>
@@ -9655,16 +9488,18 @@
               <a:rPr lang="en-US" altLang="zh-CN" dirty="0" smtClean="0"/>
               <a:t>Native appliation and managed applicaton.</a:t>
             </a:r>
+            <a:endParaRPr lang="en-US" altLang="zh-CN" dirty="0" smtClean="0"/>
           </a:p>
           <a:p>
             <a:pPr>
-              <a:buFont typeface="Wingdings" pitchFamily="2" charset="2"/>
+              <a:buFont typeface="Wingdings" panose="05000000000000000000" pitchFamily="2" charset="2"/>
               <a:buChar char="Ø"/>
             </a:pPr>
             <a:r>
               <a:rPr lang="en-US" altLang="zh-CN" sz="2000" dirty="0" smtClean="0"/>
               <a:t> Good at stablilty issue (hang, crash, OOM). </a:t>
             </a:r>
+            <a:endParaRPr lang="en-US" altLang="zh-CN" sz="2000" dirty="0" smtClean="0"/>
           </a:p>
         </p:txBody>
       </p:sp>
@@ -9742,7 +9577,7 @@
           <a:lstStyle/>
           <a:p>
             <a:pPr>
-              <a:buFont typeface="Wingdings" pitchFamily="2" charset="2"/>
+              <a:buFont typeface="Wingdings" panose="05000000000000000000" pitchFamily="2" charset="2"/>
               <a:buChar char="Ø"/>
             </a:pPr>
             <a:r>
@@ -9757,26 +9592,29 @@
               <a:rPr lang="en-US" altLang="zh-CN" sz="2000" dirty="0" smtClean="0"/>
               <a:t> which usually contains global variables, local variables, function names and the addresses of their entry points, frame pointer omission (FPO) records and source-line numbers.</a:t>
             </a:r>
+            <a:endParaRPr lang="en-US" altLang="zh-CN" sz="2000" dirty="0" smtClean="0"/>
           </a:p>
           <a:p>
             <a:pPr lvl="1">
-              <a:buFont typeface="Corbel" pitchFamily="34" charset="0"/>
+              <a:buFont typeface="Corbel" panose="020B0503020204020204" pitchFamily="34" charset="0"/>
               <a:buChar char="–"/>
             </a:pPr>
             <a:r>
               <a:rPr lang="en-US" altLang="zh-CN" dirty="0" smtClean="0"/>
               <a:t>Public Symbol: functions, global variables, local variables, information about user-defined structures, classes, and data types, the name of the source file and the line number.</a:t>
             </a:r>
+            <a:endParaRPr lang="en-US" altLang="zh-CN" dirty="0" smtClean="0"/>
           </a:p>
           <a:p>
             <a:pPr lvl="1">
-              <a:buFont typeface="Corbel" pitchFamily="34" charset="0"/>
+              <a:buFont typeface="Corbel" panose="020B0503020204020204" pitchFamily="34" charset="0"/>
               <a:buChar char="–"/>
             </a:pPr>
             <a:r>
               <a:rPr lang="en-US" altLang="zh-CN" dirty="0" smtClean="0"/>
               <a:t>Private Symbol: functions (except for functions declared static), global variables specified as extern (and any other global variables visible across multiple object files).</a:t>
             </a:r>
+            <a:endParaRPr lang="en-US" altLang="zh-CN" dirty="0" smtClean="0"/>
           </a:p>
         </p:txBody>
       </p:sp>
@@ -9854,57 +9692,62 @@
           <a:lstStyle/>
           <a:p>
             <a:pPr>
-              <a:buFont typeface="Wingdings" pitchFamily="2" charset="2"/>
+              <a:buFont typeface="Wingdings" panose="05000000000000000000" pitchFamily="2" charset="2"/>
               <a:buChar char="Ø"/>
             </a:pPr>
             <a:r>
               <a:rPr lang="en-US" altLang="zh-CN" dirty="0" smtClean="0"/>
               <a:t>WinDBG find symbol files in:</a:t>
             </a:r>
+            <a:endParaRPr lang="en-US" altLang="zh-CN" dirty="0" smtClean="0"/>
           </a:p>
           <a:p>
             <a:pPr lvl="1">
-              <a:buFont typeface="Corbel" pitchFamily="34" charset="0"/>
+              <a:buFont typeface="Corbel" panose="020B0503020204020204" pitchFamily="34" charset="0"/>
               <a:buChar char="–"/>
             </a:pPr>
             <a:r>
               <a:rPr lang="en-US" altLang="zh-CN" dirty="0" smtClean="0"/>
               <a:t>The path set by .sympath command.</a:t>
             </a:r>
+            <a:endParaRPr lang="en-US" altLang="zh-CN" dirty="0" smtClean="0"/>
           </a:p>
           <a:p>
             <a:pPr lvl="1">
-              <a:buFont typeface="Corbel" pitchFamily="34" charset="0"/>
+              <a:buFont typeface="Corbel" panose="020B0503020204020204" pitchFamily="34" charset="0"/>
               <a:buChar char="–"/>
             </a:pPr>
             <a:r>
               <a:rPr lang="en-US" altLang="zh-CN" dirty="0" smtClean="0"/>
               <a:t>The module path.</a:t>
             </a:r>
+            <a:endParaRPr lang="en-US" altLang="zh-CN" dirty="0" smtClean="0"/>
           </a:p>
           <a:p>
             <a:pPr lvl="1">
-              <a:buFont typeface="Corbel" pitchFamily="34" charset="0"/>
+              <a:buFont typeface="Corbel" panose="020B0503020204020204" pitchFamily="34" charset="0"/>
               <a:buChar char="–"/>
             </a:pPr>
             <a:r>
               <a:rPr lang="en-US" altLang="zh-CN" dirty="0" smtClean="0"/>
               <a:t>_NT_SYMBOL_PATH.</a:t>
             </a:r>
+            <a:endParaRPr lang="en-US" altLang="zh-CN" dirty="0" smtClean="0"/>
           </a:p>
           <a:p>
             <a:pPr>
-              <a:buFont typeface="Wingdings" pitchFamily="2" charset="2"/>
+              <a:buFont typeface="Wingdings" panose="05000000000000000000" pitchFamily="2" charset="2"/>
               <a:buChar char="Ø"/>
             </a:pPr>
             <a:r>
               <a:rPr lang="en-US" altLang="zh-CN" dirty="0" smtClean="0"/>
               <a:t>Related Commands:</a:t>
             </a:r>
+            <a:endParaRPr lang="en-US" altLang="zh-CN" dirty="0" smtClean="0"/>
           </a:p>
           <a:p>
             <a:pPr lvl="1">
-              <a:buFont typeface="Corbel" pitchFamily="34" charset="0"/>
+              <a:buFont typeface="Corbel" panose="020B0503020204020204" pitchFamily="34" charset="0"/>
               <a:buChar char="–"/>
             </a:pPr>
             <a:r>
@@ -9915,10 +9758,15 @@
               </a:rPr>
               <a:t>.sympath</a:t>
             </a:r>
+            <a:endParaRPr lang="en-US" altLang="zh-CN" dirty="0" smtClean="0">
+              <a:solidFill>
+                <a:srgbClr val="FF0000"/>
+              </a:solidFill>
+            </a:endParaRPr>
           </a:p>
           <a:p>
             <a:pPr lvl="1">
-              <a:buFont typeface="Corbel" pitchFamily="34" charset="0"/>
+              <a:buFont typeface="Corbel" panose="020B0503020204020204" pitchFamily="34" charset="0"/>
               <a:buChar char="–"/>
             </a:pPr>
             <a:r>
@@ -9929,10 +9777,15 @@
               </a:rPr>
               <a:t>.symfix</a:t>
             </a:r>
+            <a:endParaRPr lang="en-US" altLang="zh-CN" dirty="0" smtClean="0">
+              <a:solidFill>
+                <a:srgbClr val="FF0000"/>
+              </a:solidFill>
+            </a:endParaRPr>
           </a:p>
           <a:p>
             <a:pPr lvl="1">
-              <a:buFont typeface="Corbel" pitchFamily="34" charset="0"/>
+              <a:buFont typeface="Corbel" panose="020B0503020204020204" pitchFamily="34" charset="0"/>
               <a:buChar char="–"/>
             </a:pPr>
             <a:r>
@@ -9943,10 +9796,15 @@
               </a:rPr>
               <a:t>.reload</a:t>
             </a:r>
+            <a:endParaRPr lang="en-US" altLang="zh-CN" dirty="0" smtClean="0">
+              <a:solidFill>
+                <a:srgbClr val="FF0000"/>
+              </a:solidFill>
+            </a:endParaRPr>
           </a:p>
           <a:p>
             <a:pPr lvl="1">
-              <a:buFont typeface="Corbel" pitchFamily="34" charset="0"/>
+              <a:buFont typeface="Corbel" panose="020B0503020204020204" pitchFamily="34" charset="0"/>
               <a:buChar char="–"/>
             </a:pPr>
             <a:r>
@@ -9957,10 +9815,15 @@
               </a:rPr>
               <a:t>lm</a:t>
             </a:r>
+            <a:endParaRPr lang="en-US" altLang="zh-CN" dirty="0" smtClean="0">
+              <a:solidFill>
+                <a:srgbClr val="FF0000"/>
+              </a:solidFill>
+            </a:endParaRPr>
           </a:p>
           <a:p>
             <a:pPr lvl="1">
-              <a:buFont typeface="Corbel" pitchFamily="34" charset="0"/>
+              <a:buFont typeface="Corbel" panose="020B0503020204020204" pitchFamily="34" charset="0"/>
               <a:buChar char="–"/>
             </a:pPr>
             <a:r>
@@ -9971,10 +9834,15 @@
               </a:rPr>
               <a:t>!lmi</a:t>
             </a:r>
+            <a:endParaRPr lang="en-US" altLang="zh-CN" dirty="0" smtClean="0">
+              <a:solidFill>
+                <a:srgbClr val="FF0000"/>
+              </a:solidFill>
+            </a:endParaRPr>
           </a:p>
           <a:p>
             <a:pPr lvl="1">
-              <a:buFont typeface="Corbel" pitchFamily="34" charset="0"/>
+              <a:buFont typeface="Corbel" panose="020B0503020204020204" pitchFamily="34" charset="0"/>
               <a:buChar char="–"/>
             </a:pPr>
             <a:r>
@@ -9985,6 +9853,11 @@
               </a:rPr>
               <a:t>x</a:t>
             </a:r>
+            <a:endParaRPr lang="en-US" altLang="zh-CN" dirty="0" smtClean="0">
+              <a:solidFill>
+                <a:srgbClr val="FF0000"/>
+              </a:solidFill>
+            </a:endParaRPr>
           </a:p>
           <a:p>
             <a:endParaRPr lang="en-US" altLang="zh-CN" dirty="0" smtClean="0"/>
@@ -10065,27 +9938,29 @@
           <a:lstStyle/>
           <a:p>
             <a:pPr>
-              <a:buFont typeface="Wingdings" pitchFamily="2" charset="2"/>
+              <a:buFont typeface="Wingdings" panose="05000000000000000000" pitchFamily="2" charset="2"/>
               <a:buChar char="Ø"/>
             </a:pPr>
             <a:r>
               <a:rPr lang="en-US" altLang="zh-CN" sz="2000" dirty="0" smtClean="0"/>
               <a:t>Standard Commands: </a:t>
             </a:r>
+            <a:endParaRPr lang="en-US" altLang="zh-CN" sz="2000" dirty="0" smtClean="0"/>
           </a:p>
           <a:p>
             <a:pPr lvl="1">
-              <a:buFont typeface="Corbel" pitchFamily="34" charset="0"/>
+              <a:buFont typeface="Corbel" panose="020B0503020204020204" pitchFamily="34" charset="0"/>
               <a:buChar char="–"/>
             </a:pPr>
             <a:r>
               <a:rPr lang="en-US" altLang="zh-CN" dirty="0" smtClean="0"/>
               <a:t>The WinDbg build in command.</a:t>
             </a:r>
+            <a:endParaRPr lang="en-US" altLang="zh-CN" dirty="0" smtClean="0"/>
           </a:p>
           <a:p>
             <a:pPr lvl="1">
-              <a:buFont typeface="Corbel" pitchFamily="34" charset="0"/>
+              <a:buFont typeface="Corbel" panose="020B0503020204020204" pitchFamily="34" charset="0"/>
               <a:buChar char="–"/>
             </a:pPr>
             <a:r>
@@ -10108,29 +9983,31 @@
           </a:p>
           <a:p>
             <a:pPr>
-              <a:buFont typeface="Wingdings" pitchFamily="2" charset="2"/>
+              <a:buFont typeface="Wingdings" panose="05000000000000000000" pitchFamily="2" charset="2"/>
               <a:buChar char="Ø"/>
             </a:pPr>
             <a:r>
               <a:rPr lang="en-US" altLang="zh-CN" sz="2000" dirty="0" smtClean="0"/>
               <a:t>Meta-Commands</a:t>
             </a:r>
+            <a:endParaRPr lang="en-US" altLang="zh-CN" sz="2000" dirty="0" smtClean="0"/>
           </a:p>
           <a:p>
             <a:pPr marL="742950" lvl="2" indent="-342900">
               <a:buSzPct val="100000"/>
-              <a:buFont typeface="Corbel" pitchFamily="34" charset="0"/>
+              <a:buFont typeface="Corbel" panose="020B0503020204020204" pitchFamily="34" charset="0"/>
               <a:buChar char="–"/>
             </a:pPr>
             <a:r>
               <a:rPr lang="en-US" altLang="zh-CN" dirty="0" smtClean="0"/>
               <a:t>The WinDbg build in command.</a:t>
             </a:r>
+            <a:endParaRPr lang="en-US" altLang="zh-CN" dirty="0" smtClean="0"/>
           </a:p>
           <a:p>
             <a:pPr marL="742950" lvl="2" indent="-342900">
               <a:buSzPct val="100000"/>
-              <a:buFont typeface="Corbel" pitchFamily="34" charset="0"/>
+              <a:buFont typeface="Corbel" panose="020B0503020204020204" pitchFamily="34" charset="0"/>
               <a:buChar char="–"/>
             </a:pPr>
             <a:r>
@@ -10149,10 +10026,11 @@
               <a:rPr lang="en-US" altLang="zh-CN" dirty="0" smtClean="0"/>
               <a:t>to get command list.</a:t>
             </a:r>
+            <a:endParaRPr lang="en-US" altLang="zh-CN" dirty="0" smtClean="0"/>
           </a:p>
           <a:p>
             <a:pPr>
-              <a:buFont typeface="Wingdings" pitchFamily="2" charset="2"/>
+              <a:buFont typeface="Wingdings" panose="05000000000000000000" pitchFamily="2" charset="2"/>
               <a:buChar char="Ø"/>
             </a:pPr>
             <a:r>
@@ -10163,23 +10041,25 @@
           </a:p>
           <a:p>
             <a:pPr lvl="1">
-              <a:buFont typeface="Corbel" pitchFamily="34" charset="0"/>
+              <a:buFont typeface="Corbel" panose="020B0503020204020204" pitchFamily="34" charset="0"/>
               <a:buChar char="–"/>
             </a:pPr>
             <a:r>
               <a:rPr lang="en-US" altLang="zh-CN" dirty="0" smtClean="0"/>
               <a:t>Implemented in the extension module. Can be used after the extension module is loaded. WinDbg load extension module automatically according to the debugging target type and user can load extension module manually by command.</a:t>
             </a:r>
+            <a:endParaRPr lang="en-US" altLang="zh-CN" dirty="0" smtClean="0"/>
           </a:p>
           <a:p>
             <a:pPr lvl="1">
-              <a:buFont typeface="Corbel" pitchFamily="34" charset="0"/>
+              <a:buFont typeface="Corbel" panose="020B0503020204020204" pitchFamily="34" charset="0"/>
               <a:buChar char="–"/>
             </a:pPr>
             <a:r>
               <a:rPr lang="en-US" altLang="zh-CN" dirty="0" smtClean="0"/>
               <a:t>Start with exclamatory mark (also named bang command).  </a:t>
             </a:r>
+            <a:endParaRPr lang="en-US" altLang="zh-CN" dirty="0" smtClean="0"/>
           </a:p>
         </p:txBody>
       </p:sp>
@@ -10257,27 +10137,29 @@
           <a:lstStyle/>
           <a:p>
             <a:pPr>
-              <a:buFont typeface="Wingdings" pitchFamily="2" charset="2"/>
+              <a:buFont typeface="Wingdings" panose="05000000000000000000" pitchFamily="2" charset="2"/>
               <a:buChar char="Ø"/>
             </a:pPr>
             <a:r>
               <a:rPr lang="en-US" altLang="zh-CN" dirty="0" smtClean="0"/>
               <a:t>Attach to notepad:</a:t>
             </a:r>
+            <a:endParaRPr lang="en-US" altLang="zh-CN" dirty="0" smtClean="0"/>
           </a:p>
           <a:p>
             <a:pPr lvl="1">
-              <a:buFont typeface="Corbel" pitchFamily="34" charset="0"/>
+              <a:buFont typeface="Corbel" panose="020B0503020204020204" pitchFamily="34" charset="0"/>
               <a:buChar char="–"/>
             </a:pPr>
             <a:r>
               <a:rPr lang="en-US" altLang="zh-CN" dirty="0" smtClean="0"/>
               <a:t>F6 (Attach to a Process menu)</a:t>
             </a:r>
+            <a:endParaRPr lang="en-US" altLang="zh-CN" dirty="0" smtClean="0"/>
           </a:p>
           <a:p>
             <a:pPr lvl="1">
-              <a:buFont typeface="Corbel" pitchFamily="34" charset="0"/>
+              <a:buFont typeface="Corbel" panose="020B0503020204020204" pitchFamily="34" charset="0"/>
               <a:buChar char="–"/>
             </a:pPr>
             <a:r>
@@ -10308,10 +10190,11 @@
               <a:rPr lang="en-US" altLang="zh-CN" dirty="0" smtClean="0"/>
               <a:t>to get time info.</a:t>
             </a:r>
+            <a:endParaRPr lang="en-US" altLang="zh-CN" dirty="0" smtClean="0"/>
           </a:p>
           <a:p>
             <a:pPr lvl="1">
-              <a:buFont typeface="Corbel" pitchFamily="34" charset="0"/>
+              <a:buFont typeface="Corbel" panose="020B0503020204020204" pitchFamily="34" charset="0"/>
               <a:buChar char="–"/>
             </a:pPr>
             <a:r>
@@ -10330,10 +10213,11 @@
               <a:rPr lang="en-US" altLang="zh-CN" dirty="0" smtClean="0"/>
               <a:t> to get the module list.</a:t>
             </a:r>
+            <a:endParaRPr lang="en-US" altLang="zh-CN" dirty="0" smtClean="0"/>
           </a:p>
           <a:p>
             <a:pPr lvl="1">
-              <a:buFont typeface="Corbel" pitchFamily="34" charset="0"/>
+              <a:buFont typeface="Corbel" panose="020B0503020204020204" pitchFamily="34" charset="0"/>
               <a:buChar char="–"/>
             </a:pPr>
             <a:r>
@@ -10352,10 +10236,11 @@
               <a:rPr lang="en-US" altLang="zh-CN" dirty="0" smtClean="0"/>
               <a:t>to force load symbols for all modules.</a:t>
             </a:r>
+            <a:endParaRPr lang="en-US" altLang="zh-CN" dirty="0" smtClean="0"/>
           </a:p>
           <a:p>
             <a:pPr lvl="1">
-              <a:buFont typeface="Corbel" pitchFamily="34" charset="0"/>
+              <a:buFont typeface="Corbel" panose="020B0503020204020204" pitchFamily="34" charset="0"/>
               <a:buChar char="–"/>
             </a:pPr>
             <a:r>
@@ -10386,10 +10271,11 @@
               <a:rPr lang="en-US" altLang="zh-CN" dirty="0" smtClean="0"/>
               <a:t> to get the current thread stack.</a:t>
             </a:r>
+            <a:endParaRPr lang="en-US" altLang="zh-CN" dirty="0" smtClean="0"/>
           </a:p>
           <a:p>
             <a:pPr lvl="1">
-              <a:buFont typeface="Corbel" pitchFamily="34" charset="0"/>
+              <a:buFont typeface="Corbel" panose="020B0503020204020204" pitchFamily="34" charset="0"/>
               <a:buChar char="–"/>
             </a:pPr>
             <a:r>
@@ -10408,10 +10294,11 @@
               <a:rPr lang="en-US" altLang="zh-CN" dirty="0" smtClean="0"/>
               <a:t>to get detail info about notepad.ext.</a:t>
             </a:r>
+            <a:endParaRPr lang="en-US" altLang="zh-CN" dirty="0" smtClean="0"/>
           </a:p>
           <a:p>
             <a:pPr lvl="1">
-              <a:buFont typeface="Corbel" pitchFamily="34" charset="0"/>
+              <a:buFont typeface="Corbel" panose="020B0503020204020204" pitchFamily="34" charset="0"/>
               <a:buChar char="–"/>
             </a:pPr>
             <a:r>
@@ -10430,10 +10317,11 @@
               <a:rPr lang="en-US" altLang="zh-CN" dirty="0" smtClean="0"/>
               <a:t> to set break point.</a:t>
             </a:r>
+            <a:endParaRPr lang="en-US" altLang="zh-CN" dirty="0" smtClean="0"/>
           </a:p>
           <a:p>
             <a:pPr lvl="1">
-              <a:buFont typeface="Corbel" pitchFamily="34" charset="0"/>
+              <a:buFont typeface="Corbel" panose="020B0503020204020204" pitchFamily="34" charset="0"/>
               <a:buChar char="–"/>
             </a:pPr>
             <a:r>
@@ -10462,16 +10350,13 @@
             </a:r>
             <a:r>
               <a:rPr lang="en-US" altLang="zh-CN" dirty="0" smtClean="0"/>
-              <a:t> to get all threads stack</a:t>
-            </a:r>
-            <a:r>
-              <a:rPr lang="en-US" altLang="zh-CN" dirty="0" smtClean="0"/>
-              <a:t>.</a:t>
-            </a:r>
+              <a:t> to get all threads stack.</a:t>
+            </a:r>
+            <a:endParaRPr lang="en-US" altLang="zh-CN" dirty="0" smtClean="0"/>
           </a:p>
           <a:p>
             <a:pPr lvl="1">
-              <a:buFont typeface="Corbel" pitchFamily="34" charset="0"/>
+              <a:buFont typeface="Corbel" panose="020B0503020204020204" pitchFamily="34" charset="0"/>
               <a:buChar char="–"/>
             </a:pPr>
             <a:r>
@@ -10506,7 +10391,7 @@
           </a:p>
           <a:p>
             <a:pPr lvl="1">
-              <a:buFont typeface="Corbel" pitchFamily="34" charset="0"/>
+              <a:buFont typeface="Corbel" panose="020B0503020204020204" pitchFamily="34" charset="0"/>
               <a:buChar char="–"/>
             </a:pPr>
             <a:r>
@@ -10549,10 +10434,11 @@
               <a:rPr lang="en-US" altLang="zh-CN" dirty="0" smtClean="0"/>
               <a:t>to get all commands in ext.dll.</a:t>
             </a:r>
+            <a:endParaRPr lang="en-US" altLang="zh-CN" dirty="0" smtClean="0"/>
           </a:p>
           <a:p>
             <a:pPr lvl="1">
-              <a:buFont typeface="Corbel" pitchFamily="34" charset="0"/>
+              <a:buFont typeface="Corbel" panose="020B0503020204020204" pitchFamily="34" charset="0"/>
               <a:buChar char="–"/>
             </a:pPr>
             <a:r>
@@ -10583,10 +10469,11 @@
               <a:rPr lang="en-US" altLang="zh-CN" dirty="0" smtClean="0"/>
               <a:t>to get the heap.</a:t>
             </a:r>
+            <a:endParaRPr lang="en-US" altLang="zh-CN" dirty="0" smtClean="0"/>
           </a:p>
           <a:p>
             <a:pPr lvl="1">
-              <a:buFont typeface="Corbel" pitchFamily="34" charset="0"/>
+              <a:buFont typeface="Corbel" panose="020B0503020204020204" pitchFamily="34" charset="0"/>
               <a:buChar char="–"/>
             </a:pPr>
             <a:r>
@@ -10617,52 +10504,53 @@
               <a:rPr lang="en-US" altLang="zh-CN" dirty="0" smtClean="0"/>
               <a:t> to edit memory.</a:t>
             </a:r>
+            <a:endParaRPr lang="en-US" altLang="zh-CN" dirty="0" smtClean="0"/>
           </a:p>
           <a:p>
             <a:pPr lvl="1">
-              <a:buFont typeface="Corbel" pitchFamily="34" charset="0"/>
+              <a:buFont typeface="Corbel" panose="020B0503020204020204" pitchFamily="34" charset="0"/>
               <a:buChar char="–"/>
             </a:pPr>
             <a:endParaRPr lang="en-US" altLang="zh-CN" dirty="0" smtClean="0"/>
           </a:p>
           <a:p>
             <a:pPr lvl="1">
-              <a:buFont typeface="Corbel" pitchFamily="34" charset="0"/>
+              <a:buFont typeface="Corbel" panose="020B0503020204020204" pitchFamily="34" charset="0"/>
               <a:buChar char="–"/>
             </a:pPr>
             <a:endParaRPr lang="en-US" altLang="zh-CN" dirty="0" smtClean="0"/>
           </a:p>
           <a:p>
             <a:pPr lvl="1">
-              <a:buFont typeface="Corbel" pitchFamily="34" charset="0"/>
+              <a:buFont typeface="Corbel" panose="020B0503020204020204" pitchFamily="34" charset="0"/>
               <a:buChar char="–"/>
             </a:pPr>
             <a:endParaRPr lang="en-US" altLang="zh-CN" dirty="0" smtClean="0"/>
           </a:p>
           <a:p>
             <a:pPr lvl="1">
-              <a:buFont typeface="Corbel" pitchFamily="34" charset="0"/>
+              <a:buFont typeface="Corbel" panose="020B0503020204020204" pitchFamily="34" charset="0"/>
               <a:buChar char="–"/>
             </a:pPr>
             <a:endParaRPr lang="en-US" altLang="zh-CN" dirty="0" smtClean="0"/>
           </a:p>
           <a:p>
             <a:pPr lvl="1">
-              <a:buFont typeface="Corbel" pitchFamily="34" charset="0"/>
+              <a:buFont typeface="Corbel" panose="020B0503020204020204" pitchFamily="34" charset="0"/>
               <a:buChar char="–"/>
             </a:pPr>
             <a:endParaRPr lang="en-US" altLang="zh-CN" dirty="0" smtClean="0"/>
           </a:p>
           <a:p>
             <a:pPr lvl="1">
-              <a:buFont typeface="Corbel" pitchFamily="34" charset="0"/>
+              <a:buFont typeface="Corbel" panose="020B0503020204020204" pitchFamily="34" charset="0"/>
               <a:buChar char="–"/>
             </a:pPr>
             <a:endParaRPr lang="en-US" altLang="zh-CN" dirty="0" smtClean="0"/>
           </a:p>
           <a:p>
             <a:pPr lvl="1">
-              <a:buFont typeface="Corbel" pitchFamily="34" charset="0"/>
+              <a:buFont typeface="Corbel" panose="020B0503020204020204" pitchFamily="34" charset="0"/>
               <a:buChar char="–"/>
             </a:pPr>
             <a:endParaRPr lang="en-US" altLang="zh-CN" dirty="0" smtClean="0"/>
@@ -10743,27 +10631,29 @@
           <a:lstStyle/>
           <a:p>
             <a:pPr>
-              <a:buFont typeface="Wingdings" pitchFamily="2" charset="2"/>
+              <a:buFont typeface="Wingdings" panose="05000000000000000000" pitchFamily="2" charset="2"/>
               <a:buChar char="Ø"/>
             </a:pPr>
             <a:r>
               <a:rPr lang="en-US" altLang="zh-CN" dirty="0" smtClean="0"/>
               <a:t>Open Executable</a:t>
             </a:r>
+            <a:endParaRPr lang="en-US" altLang="zh-CN" dirty="0" smtClean="0"/>
           </a:p>
           <a:p>
             <a:pPr lvl="1">
-              <a:buFont typeface="Corbel" pitchFamily="34" charset="0"/>
+              <a:buFont typeface="Corbel" panose="020B0503020204020204" pitchFamily="34" charset="0"/>
               <a:buChar char="–"/>
             </a:pPr>
             <a:r>
               <a:rPr lang="en-US" altLang="zh-CN" dirty="0" smtClean="0"/>
               <a:t>Ctrl+E (Open Executable menu)</a:t>
             </a:r>
+            <a:endParaRPr lang="en-US" altLang="zh-CN" dirty="0" smtClean="0"/>
           </a:p>
           <a:p>
             <a:pPr lvl="1">
-              <a:buFont typeface="Corbel" pitchFamily="34" charset="0"/>
+              <a:buFont typeface="Corbel" panose="020B0503020204020204" pitchFamily="34" charset="0"/>
               <a:buChar char="–"/>
             </a:pPr>
             <a:r>
@@ -10782,34 +10672,36 @@
               <a:rPr lang="en-US" altLang="zh-CN" dirty="0" smtClean="0"/>
               <a:t>to break on load dll</a:t>
             </a:r>
+            <a:endParaRPr lang="en-US" altLang="zh-CN" dirty="0" smtClean="0"/>
           </a:p>
           <a:p>
             <a:pPr lvl="1">
-              <a:buFont typeface="Corbel" pitchFamily="34" charset="0"/>
+              <a:buFont typeface="Corbel" panose="020B0503020204020204" pitchFamily="34" charset="0"/>
               <a:buChar char="–"/>
             </a:pPr>
             <a:endParaRPr lang="en-US" altLang="zh-CN" dirty="0" smtClean="0"/>
           </a:p>
           <a:p>
             <a:pPr lvl="1">
-              <a:buFont typeface="Corbel" pitchFamily="34" charset="0"/>
+              <a:buFont typeface="Corbel" panose="020B0503020204020204" pitchFamily="34" charset="0"/>
               <a:buChar char="–"/>
             </a:pPr>
             <a:endParaRPr lang="en-US" altLang="zh-CN" dirty="0" smtClean="0"/>
           </a:p>
           <a:p>
             <a:pPr>
-              <a:buFont typeface="Wingdings" pitchFamily="2" charset="2"/>
+              <a:buFont typeface="Wingdings" panose="05000000000000000000" pitchFamily="2" charset="2"/>
               <a:buChar char="Ø"/>
             </a:pPr>
             <a:r>
               <a:rPr lang="en-US" altLang="zh-CN" dirty="0" smtClean="0"/>
               <a:t>First chance exception and second chance exception</a:t>
             </a:r>
+            <a:endParaRPr lang="en-US" altLang="zh-CN" dirty="0" smtClean="0"/>
           </a:p>
           <a:p>
             <a:pPr lvl="1">
-              <a:buFont typeface="Corbel" pitchFamily="34" charset="0"/>
+              <a:buFont typeface="Corbel" panose="020B0503020204020204" pitchFamily="34" charset="0"/>
               <a:buChar char="–"/>
             </a:pPr>
             <a:r>
@@ -10824,20 +10716,22 @@
               <a:rPr lang="en-US" altLang="zh-CN" dirty="0" smtClean="0"/>
               <a:t> command or Event Filters dialog</a:t>
             </a:r>
+            <a:endParaRPr lang="en-US" altLang="zh-CN" dirty="0" smtClean="0"/>
           </a:p>
           <a:p>
             <a:pPr lvl="1">
-              <a:buFont typeface="Corbel" pitchFamily="34" charset="0"/>
+              <a:buFont typeface="Corbel" panose="020B0503020204020204" pitchFamily="34" charset="0"/>
               <a:buChar char="–"/>
             </a:pPr>
             <a:r>
               <a:rPr lang="en-US" altLang="zh-CN" dirty="0" smtClean="0"/>
               <a:t>Examples of normal exception and CLR exception</a:t>
             </a:r>
+            <a:endParaRPr lang="en-US" altLang="zh-CN" dirty="0" smtClean="0"/>
           </a:p>
           <a:p>
             <a:pPr lvl="1">
-              <a:buFont typeface="Corbel" pitchFamily="34" charset="0"/>
+              <a:buFont typeface="Corbel" panose="020B0503020204020204" pitchFamily="34" charset="0"/>
               <a:buChar char="–"/>
             </a:pPr>
             <a:r>
@@ -10848,10 +10742,15 @@
               </a:rPr>
               <a:t>.lastevent</a:t>
             </a:r>
+            <a:endParaRPr lang="en-US" altLang="zh-CN" dirty="0" smtClean="0">
+              <a:solidFill>
+                <a:srgbClr val="FF0000"/>
+              </a:solidFill>
+            </a:endParaRPr>
           </a:p>
           <a:p>
             <a:pPr lvl="1">
-              <a:buFont typeface="Corbel" pitchFamily="34" charset="0"/>
+              <a:buFont typeface="Corbel" panose="020B0503020204020204" pitchFamily="34" charset="0"/>
               <a:buChar char="–"/>
             </a:pPr>
             <a:r>
@@ -10862,6 +10761,11 @@
               </a:rPr>
               <a:t>.exr -1</a:t>
             </a:r>
+            <a:endParaRPr lang="en-US" altLang="zh-CN" dirty="0" smtClean="0">
+              <a:solidFill>
+                <a:srgbClr val="FF0000"/>
+              </a:solidFill>
+            </a:endParaRPr>
           </a:p>
         </p:txBody>
       </p:sp>
@@ -10939,7 +10843,7 @@
           <a:lstStyle/>
           <a:p>
             <a:pPr>
-              <a:buFont typeface="Corbel" pitchFamily="34" charset="0"/>
+              <a:buFont typeface="Corbel" panose="020B0503020204020204" pitchFamily="34" charset="0"/>
               <a:buChar char="–"/>
             </a:pPr>
             <a:r>
@@ -10958,10 +10862,11 @@
               <a:rPr lang="en-US" altLang="zh-CN" dirty="0" smtClean="0"/>
               <a:t>to load sos extension.</a:t>
             </a:r>
+            <a:endParaRPr lang="en-US" altLang="zh-CN" dirty="0" smtClean="0"/>
           </a:p>
           <a:p>
             <a:pPr>
-              <a:buFont typeface="Corbel" pitchFamily="34" charset="0"/>
+              <a:buFont typeface="Corbel" panose="020B0503020204020204" pitchFamily="34" charset="0"/>
               <a:buChar char="–"/>
             </a:pPr>
             <a:r>
@@ -10980,10 +10885,11 @@
               <a:rPr lang="en-US" altLang="zh-CN" dirty="0" smtClean="0"/>
               <a:t>to get command list.</a:t>
             </a:r>
+            <a:endParaRPr lang="en-US" altLang="zh-CN" dirty="0" smtClean="0"/>
           </a:p>
           <a:p>
             <a:pPr>
-              <a:buFont typeface="Corbel" pitchFamily="34" charset="0"/>
+              <a:buFont typeface="Corbel" panose="020B0503020204020204" pitchFamily="34" charset="0"/>
               <a:buChar char="–"/>
             </a:pPr>
             <a:r>
@@ -11002,10 +10908,11 @@
               <a:rPr lang="en-US" altLang="zh-CN" dirty="0" smtClean="0"/>
               <a:t>to get general process information.</a:t>
             </a:r>
+            <a:endParaRPr lang="en-US" altLang="zh-CN" dirty="0" smtClean="0"/>
           </a:p>
           <a:p>
             <a:pPr>
-              <a:buFont typeface="Corbel" pitchFamily="34" charset="0"/>
+              <a:buFont typeface="Corbel" panose="020B0503020204020204" pitchFamily="34" charset="0"/>
               <a:buChar char="–"/>
             </a:pPr>
             <a:r>
@@ -11024,10 +10931,11 @@
               <a:rPr lang="en-US" altLang="zh-CN" dirty="0" smtClean="0"/>
               <a:t>to get clr version info.</a:t>
             </a:r>
+            <a:endParaRPr lang="en-US" altLang="zh-CN" dirty="0" smtClean="0"/>
           </a:p>
           <a:p>
             <a:pPr>
-              <a:buFont typeface="Corbel" pitchFamily="34" charset="0"/>
+              <a:buFont typeface="Corbel" panose="020B0503020204020204" pitchFamily="34" charset="0"/>
               <a:buChar char="–"/>
             </a:pPr>
             <a:r>
@@ -11046,10 +10954,11 @@
               <a:rPr lang="en-US" altLang="zh-CN" dirty="0" smtClean="0"/>
               <a:t>to get thread list.</a:t>
             </a:r>
+            <a:endParaRPr lang="en-US" altLang="zh-CN" dirty="0" smtClean="0"/>
           </a:p>
           <a:p>
             <a:pPr>
-              <a:buFont typeface="Corbel" pitchFamily="34" charset="0"/>
+              <a:buFont typeface="Corbel" panose="020B0503020204020204" pitchFamily="34" charset="0"/>
               <a:buChar char="–"/>
             </a:pPr>
             <a:r>
@@ -11068,10 +10977,11 @@
               <a:rPr lang="en-US" altLang="zh-CN" dirty="0" smtClean="0"/>
               <a:t>to get the call stack.</a:t>
             </a:r>
+            <a:endParaRPr lang="en-US" altLang="zh-CN" dirty="0" smtClean="0"/>
           </a:p>
           <a:p>
             <a:pPr>
-              <a:buFont typeface="Corbel" pitchFamily="34" charset="0"/>
+              <a:buFont typeface="Corbel" panose="020B0503020204020204" pitchFamily="34" charset="0"/>
               <a:buChar char="–"/>
             </a:pPr>
             <a:r>
@@ -11086,10 +10996,15 @@
               </a:rPr>
               <a:t>!DumpDomain, !DumpModule, !DumpMT, !DumpMD, !DumpHeap</a:t>
             </a:r>
+            <a:endParaRPr lang="en-US" altLang="zh-CN" dirty="0" smtClean="0">
+              <a:solidFill>
+                <a:srgbClr val="FF0000"/>
+              </a:solidFill>
+            </a:endParaRPr>
           </a:p>
           <a:p>
             <a:pPr>
-              <a:buFont typeface="Corbel" pitchFamily="34" charset="0"/>
+              <a:buFont typeface="Corbel" panose="020B0503020204020204" pitchFamily="34" charset="0"/>
               <a:buChar char="–"/>
             </a:pPr>
             <a:r>
@@ -11108,10 +11023,11 @@
               <a:rPr lang="en-US" altLang="zh-CN" dirty="0" smtClean="0"/>
               <a:t> to check normal data.</a:t>
             </a:r>
+            <a:endParaRPr lang="en-US" altLang="zh-CN" dirty="0" smtClean="0"/>
           </a:p>
           <a:p>
             <a:pPr>
-              <a:buFont typeface="Corbel" pitchFamily="34" charset="0"/>
+              <a:buFont typeface="Corbel" panose="020B0503020204020204" pitchFamily="34" charset="0"/>
               <a:buChar char="–"/>
             </a:pPr>
             <a:r>
@@ -11130,10 +11046,11 @@
               <a:rPr lang="en-US" altLang="zh-CN" dirty="0" smtClean="0"/>
               <a:t>&lt;assembly name&gt; &lt;class full name/method full name&gt; to get mt/md.</a:t>
             </a:r>
+            <a:endParaRPr lang="en-US" altLang="zh-CN" dirty="0" smtClean="0"/>
           </a:p>
           <a:p>
             <a:pPr>
-              <a:buFont typeface="Corbel" pitchFamily="34" charset="0"/>
+              <a:buFont typeface="Corbel" panose="020B0503020204020204" pitchFamily="34" charset="0"/>
               <a:buChar char="–"/>
             </a:pPr>
             <a:r>
@@ -11148,10 +11065,15 @@
               </a:rPr>
               <a:t>!PrintExcepton</a:t>
             </a:r>
+            <a:endParaRPr lang="en-US" altLang="zh-CN" dirty="0" smtClean="0">
+              <a:solidFill>
+                <a:srgbClr val="FF0000"/>
+              </a:solidFill>
+            </a:endParaRPr>
           </a:p>
           <a:p>
             <a:pPr>
-              <a:buFont typeface="Corbel" pitchFamily="34" charset="0"/>
+              <a:buFont typeface="Corbel" panose="020B0503020204020204" pitchFamily="34" charset="0"/>
               <a:buChar char="–"/>
             </a:pPr>
             <a:r>
@@ -11170,10 +11092,11 @@
               <a:rPr lang="en-US" altLang="zh-CN" dirty="0" smtClean="0"/>
               <a:t>to get genral heap info.</a:t>
             </a:r>
+            <a:endParaRPr lang="en-US" altLang="zh-CN" dirty="0" smtClean="0"/>
           </a:p>
           <a:p>
             <a:pPr>
-              <a:buFont typeface="Corbel" pitchFamily="34" charset="0"/>
+              <a:buFont typeface="Corbel" panose="020B0503020204020204" pitchFamily="34" charset="0"/>
               <a:buChar char="–"/>
             </a:pPr>
             <a:r>
@@ -11192,24 +11115,25 @@
               <a:rPr lang="en-US" altLang="zh-CN" dirty="0" smtClean="0"/>
               <a:t>to get lock info.</a:t>
             </a:r>
+            <a:endParaRPr lang="en-US" altLang="zh-CN" dirty="0" smtClean="0"/>
           </a:p>
           <a:p>
             <a:pPr>
-              <a:buFont typeface="Corbel" pitchFamily="34" charset="0"/>
+              <a:buFont typeface="Corbel" panose="020B0503020204020204" pitchFamily="34" charset="0"/>
               <a:buChar char="–"/>
             </a:pPr>
             <a:endParaRPr lang="en-US" altLang="zh-CN" dirty="0" smtClean="0"/>
           </a:p>
           <a:p>
             <a:pPr>
-              <a:buFont typeface="Corbel" pitchFamily="34" charset="0"/>
+              <a:buFont typeface="Corbel" panose="020B0503020204020204" pitchFamily="34" charset="0"/>
               <a:buChar char="–"/>
             </a:pPr>
             <a:endParaRPr lang="en-US" altLang="zh-CN" dirty="0" smtClean="0"/>
           </a:p>
           <a:p>
             <a:pPr>
-              <a:buFont typeface="Corbel" pitchFamily="34" charset="0"/>
+              <a:buFont typeface="Corbel" panose="020B0503020204020204" pitchFamily="34" charset="0"/>
               <a:buChar char="–"/>
             </a:pPr>
             <a:endParaRPr lang="en-US" altLang="zh-CN" dirty="0" smtClean="0"/>
@@ -11530,7 +11454,11 @@
       </a:style>
     </a:spDef>
   </a:objectDefaults>
-  <a:extraClrSchemeLst/>
+  <a:extLst>
+    <a:ext uri="{05A4C25C-085E-4340-85A3-A5531E510DB2}">
+      <thm15:themeFamily xmlns:thm15="http://schemas.microsoft.com/office/thememl/2012/main" name="Office Theme" id="{62F939B6-93AF-4DB8-9C6B-D6C7DFDC589F}" vid="{4A3C46E8-61CC-4603-A589-7422A47A8E4A}"/>
+    </a:ext>
+  </a:extLst>
 </a:theme>
 </file>
 
@@ -11812,8 +11740,11 @@
       </a:bgFillStyleLst>
     </a:fmtScheme>
   </a:themeElements>
-  <a:objectDefaults/>
-  <a:extraClrSchemeLst/>
+  <a:extLst>
+    <a:ext uri="{05A4C25C-085E-4340-85A3-A5531E510DB2}">
+      <thm15:themeFamily xmlns:thm15="http://schemas.microsoft.com/office/thememl/2012/main" name="Office Theme" id="{62F939B6-93AF-4DB8-9C6B-D6C7DFDC589F}" vid="{4A3C46E8-61CC-4603-A589-7422A47A8E4A}"/>
+    </a:ext>
+  </a:extLst>
 </a:theme>
 </file>
 
@@ -12095,108 +12026,10 @@
       </a:bgFillStyleLst>
     </a:fmtScheme>
   </a:themeElements>
-  <a:objectDefaults/>
-  <a:extraClrSchemeLst/>
+  <a:extLst>
+    <a:ext uri="{05A4C25C-085E-4340-85A3-A5531E510DB2}">
+      <thm15:themeFamily xmlns:thm15="http://schemas.microsoft.com/office/thememl/2012/main" name="Office Theme" id="{62F939B6-93AF-4DB8-9C6B-D6C7DFDC589F}" vid="{4A3C46E8-61CC-4603-A589-7422A47A8E4A}"/>
+    </a:ext>
+  </a:extLst>
 </a:theme>
-</file>
-
-<file path=customXml/item1.xml><?xml version="1.0" encoding="utf-8"?>
-<p:properties xmlns:p="http://schemas.microsoft.com/office/2006/metadata/properties" xmlns:xsi="http://www.w3.org/2001/XMLSchema-instance">
-  <documentManagement/>
-</p:properties>
-</file>
-
-<file path=customXml/item2.xml><?xml version="1.0" encoding="utf-8"?>
-<?mso-contentType ?>
-<FormTemplates xmlns="http://schemas.microsoft.com/sharepoint/v3/contenttype/forms">
-  <Display>DocumentLibraryForm</Display>
-  <Edit>DocumentLibraryForm</Edit>
-  <New>DocumentLibraryForm</New>
-</FormTemplates>
-</file>
-
-<file path=customXml/item3.xml><?xml version="1.0" encoding="utf-8"?>
-<ct:contentTypeSchema xmlns:ct="http://schemas.microsoft.com/office/2006/metadata/contentType" xmlns:ma="http://schemas.microsoft.com/office/2006/metadata/properties/metaAttributes" ct:_="" ma:_="" ma:contentTypeName="Document" ma:contentTypeID="0x0101000C43E143A3761340A17B0FB656669A84" ma:contentTypeVersion="0" ma:contentTypeDescription="Create a new document." ma:contentTypeScope="" ma:versionID="65c02799cdccb01a4e6869bf6eca7a13">
-  <xsd:schema xmlns:xsd="http://www.w3.org/2001/XMLSchema" xmlns:p="http://schemas.microsoft.com/office/2006/metadata/properties" targetNamespace="http://schemas.microsoft.com/office/2006/metadata/properties" ma:root="true" ma:fieldsID="4aeb20c0e3442673af7ee10786458764">
-    <xsd:element name="properties">
-      <xsd:complexType>
-        <xsd:sequence>
-          <xsd:element name="documentManagement">
-            <xsd:complexType>
-              <xsd:all/>
-            </xsd:complexType>
-          </xsd:element>
-        </xsd:sequence>
-      </xsd:complexType>
-    </xsd:element>
-  </xsd:schema>
-  <xsd:schema xmlns="http://schemas.openxmlformats.org/package/2006/metadata/core-properties" xmlns:xsd="http://www.w3.org/2001/XMLSchema" xmlns:xsi="http://www.w3.org/2001/XMLSchema-instance" xmlns:dc="http://purl.org/dc/elements/1.1/" xmlns:dcterms="http://purl.org/dc/terms/" xmlns:odoc="http://schemas.microsoft.com/office/internal/2005/internalDocumentation" targetNamespace="http://schemas.openxmlformats.org/package/2006/metadata/core-properties" elementFormDefault="qualified" attributeFormDefault="unqualified" blockDefault="#all">
-    <xsd:import namespace="http://purl.org/dc/elements/1.1/" schemaLocation="http://dublincore.org/schemas/xmls/qdc/2003/04/02/dc.xsd"/>
-    <xsd:import namespace="http://purl.org/dc/terms/" schemaLocation="http://dublincore.org/schemas/xmls/qdc/2003/04/02/dcterms.xsd"/>
-    <xsd:element name="coreProperties" type="CT_coreProperties"/>
-    <xsd:complexType name="CT_coreProperties">
-      <xsd:all>
-        <xsd:element ref="dc:creator" minOccurs="0" maxOccurs="1"/>
-        <xsd:element ref="dcterms:created" minOccurs="0" maxOccurs="1"/>
-        <xsd:element ref="dc:identifier" minOccurs="0" maxOccurs="1"/>
-        <xsd:element name="contentType" minOccurs="0" maxOccurs="1" type="xsd:string" ma:index="0" ma:displayName="Content Type" ma:readOnly="true"/>
-        <xsd:element ref="dc:title" minOccurs="0" maxOccurs="1" ma:index="4" ma:displayName="Title"/>
-        <xsd:element ref="dc:subject" minOccurs="0" maxOccurs="1"/>
-        <xsd:element ref="dc:description" minOccurs="0" maxOccurs="1"/>
-        <xsd:element name="keywords" minOccurs="0" maxOccurs="1" type="xsd:string"/>
-        <xsd:element ref="dc:language" minOccurs="0" maxOccurs="1"/>
-        <xsd:element name="category" minOccurs="0" maxOccurs="1" type="xsd:string"/>
-        <xsd:element name="version" minOccurs="0" maxOccurs="1" type="xsd:string"/>
-        <xsd:element name="revision" minOccurs="0" maxOccurs="1" type="xsd:string">
-          <xsd:annotation>
-            <xsd:documentation>
-                        This value indicates the number of saves or revisions. The application is responsible for updating this value after each revision.
-                    </xsd:documentation>
-          </xsd:annotation>
-        </xsd:element>
-        <xsd:element name="lastModifiedBy" minOccurs="0" maxOccurs="1" type="xsd:string"/>
-        <xsd:element ref="dcterms:modified" minOccurs="0" maxOccurs="1"/>
-        <xsd:element name="lastPrinted" minOccurs="0" maxOccurs="1" type="xsd:dateTime"/>
-        <xsd:element name="contentStatus" minOccurs="0" maxOccurs="1" type="xsd:string"/>
-      </xsd:all>
-    </xsd:complexType>
-  </xsd:schema>
-</ct:contentTypeSchema>
-</file>
-
-<file path=customXml/itemProps1.xml><?xml version="1.0" encoding="utf-8"?>
-<ds:datastoreItem xmlns:ds="http://schemas.openxmlformats.org/officeDocument/2006/customXml" ds:itemID="{F1270CD4-24E3-497B-8F32-78C8C7C3996D}">
-  <ds:schemaRefs>
-    <ds:schemaRef ds:uri="http://schemas.microsoft.com/office/2006/metadata/properties"/>
-    <ds:schemaRef ds:uri="http://purl.org/dc/elements/1.1/"/>
-    <ds:schemaRef ds:uri="http://schemas.microsoft.com/office/2006/documentManagement/types"/>
-    <ds:schemaRef ds:uri="http://www.w3.org/XML/1998/namespace"/>
-    <ds:schemaRef ds:uri="http://purl.org/dc/terms/"/>
-    <ds:schemaRef ds:uri="http://schemas.openxmlformats.org/package/2006/metadata/core-properties"/>
-    <ds:schemaRef ds:uri="http://purl.org/dc/dcmitype/"/>
-  </ds:schemaRefs>
-</ds:datastoreItem>
-</file>
-
-<file path=customXml/itemProps2.xml><?xml version="1.0" encoding="utf-8"?>
-<ds:datastoreItem xmlns:ds="http://schemas.openxmlformats.org/officeDocument/2006/customXml" ds:itemID="{35962522-ED0F-42EC-A9C3-DBF833A4BEE7}">
-  <ds:schemaRefs>
-    <ds:schemaRef ds:uri="http://schemas.microsoft.com/sharepoint/v3/contenttype/forms"/>
-  </ds:schemaRefs>
-</ds:datastoreItem>
-</file>
-
-<file path=customXml/itemProps3.xml><?xml version="1.0" encoding="utf-8"?>
-<ds:datastoreItem xmlns:ds="http://schemas.openxmlformats.org/officeDocument/2006/customXml" ds:itemID="{0803FF81-5817-411D-881A-748A05A71A32}">
-  <ds:schemaRefs>
-    <ds:schemaRef ds:uri="http://schemas.microsoft.com/office/2006/metadata/contentType"/>
-    <ds:schemaRef ds:uri="http://schemas.microsoft.com/office/2006/metadata/properties/metaAttributes"/>
-    <ds:schemaRef ds:uri="http://www.w3.org/2001/XMLSchema"/>
-    <ds:schemaRef ds:uri="http://schemas.microsoft.com/office/2006/metadata/properties"/>
-    <ds:schemaRef ds:uri="http://schemas.openxmlformats.org/package/2006/metadata/core-properties"/>
-    <ds:schemaRef ds:uri="http://purl.org/dc/elements/1.1/"/>
-    <ds:schemaRef ds:uri="http://purl.org/dc/terms/"/>
-    <ds:schemaRef ds:uri="http://schemas.microsoft.com/office/internal/2005/internalDocumentation"/>
-  </ds:schemaRefs>
-</ds:datastoreItem>
 </file>